--- a/day 8/SAC_Training Day 8.pptx
+++ b/day 8/SAC_Training Day 8.pptx
@@ -5,16 +5,17 @@
     <p:sldMasterId id="2147483648" r:id="rId1"/>
   </p:sldMasterIdLst>
   <p:notesMasterIdLst>
-    <p:notesMasterId r:id="rId9"/>
+    <p:notesMasterId r:id="rId10"/>
   </p:notesMasterIdLst>
   <p:sldIdLst>
     <p:sldId id="256" r:id="rId2"/>
     <p:sldId id="463" r:id="rId3"/>
-    <p:sldId id="517" r:id="rId4"/>
-    <p:sldId id="518" r:id="rId5"/>
-    <p:sldId id="462" r:id="rId6"/>
-    <p:sldId id="399" r:id="rId7"/>
-    <p:sldId id="409" r:id="rId8"/>
+    <p:sldId id="519" r:id="rId4"/>
+    <p:sldId id="517" r:id="rId5"/>
+    <p:sldId id="518" r:id="rId6"/>
+    <p:sldId id="462" r:id="rId7"/>
+    <p:sldId id="399" r:id="rId8"/>
+    <p:sldId id="409" r:id="rId9"/>
   </p:sldIdLst>
   <p:sldSz cx="12192000" cy="6858000"/>
   <p:notesSz cx="6858000" cy="9144000"/>
@@ -119,6 +120,257 @@
     </p:ext>
   </p:extLst>
 </p:presentation>
+</file>
+
+<file path=ppt/ink/ink1.xml><?xml version="1.0" encoding="utf-8"?>
+<inkml:ink xmlns:inkml="http://www.w3.org/2003/InkML">
+  <inkml:definitions>
+    <inkml:context xml:id="ctx0">
+      <inkml:inkSource xml:id="inkSrc0">
+        <inkml:traceFormat>
+          <inkml:channel name="X" type="integer" max="1920" units="cm"/>
+          <inkml:channel name="Y" type="integer" max="1080" units="cm"/>
+          <inkml:channel name="T" type="integer" max="2.14748E9" units="dev"/>
+        </inkml:traceFormat>
+        <inkml:channelProperties>
+          <inkml:channelProperty channel="X" name="resolution" value="55.81395" units="1/cm"/>
+          <inkml:channelProperty channel="Y" name="resolution" value="55.6701" units="1/cm"/>
+          <inkml:channelProperty channel="T" name="resolution" value="1" units="1/dev"/>
+        </inkml:channelProperties>
+      </inkml:inkSource>
+      <inkml:timestamp xml:id="ts0" timeString="2023-07-06T05:34:21.321"/>
+    </inkml:context>
+    <inkml:brush xml:id="br0">
+      <inkml:brushProperty name="width" value="0.05292" units="cm"/>
+      <inkml:brushProperty name="height" value="0.05292" units="cm"/>
+      <inkml:brushProperty name="color" value="#FF0000"/>
+    </inkml:brush>
+  </inkml:definitions>
+  <inkml:trace contextRef="#ctx0" brushRef="#br0">2628 2540 0,'0'-18'16,"0"1"-1,-17 52 1,17-17-16,0 35 16,0 123-1,0 0 1,-36 230-1,19-247-15,-19 194 16,1 193 0,17-193-1,18 159 1,0-354 0,0 142-1,0-159-15,0 106 16,0 53-1,-17-159 1,-1-70 0,18-106-16</inkml:trace>
+  <inkml:trace contextRef="#ctx0" brushRef="#br0" timeOffset="365.53">1129 5750 0,'-35'18'16,"70"-36"-16,-141 89 15,71-54-15,35 1 0,-18 0 16,89-1-1,-18-17-15,105 0 16,372-53 0,404-52-1,-52 16 1,-388 54-16,565-35 16,546-1-1,-1111 53-15,335 18 16,17 18-1,-581-18 1,-248 0 0</inkml:trace>
+  <inkml:trace contextRef="#ctx0" brushRef="#br0" timeOffset="2098.28">2558 5680 0,'0'0'0,"-18"0"15,-17 0 1,17 0 0,36 0 46,70-88-31,53-71 1,-106 106-32,18 0 0,53-71 15,53-34 1,-106 122-16,-18 19 15,71-18 1,0 35 0,-53 35-1,52-18 1,-87 1-16,17-18 16,-17 0-16,17 0 15,-17 0-15,0-18 0,34-17 16,-16 18-16,17-54 15,35-35 1,-71 53 0,36-17-16,36 17 31,-72 35-31,18 18 16,-17 0-16,35 0 15,18 0 1,-36 0-16,18 0 15,17-18 1,-17 1 0,53-18-1,-71-1-15,36 1 16,17-53 0,-35 35-1,35-18 1,-52 54-1,-19 17-15,1-18 0,17 18 16,-17 0-16,88-18 31,-71 1-15,0-1 0,-17 0-16,-1 1 15,19-36 1,-19 53-16,19-18 15,16-35 1,-34 36-16,17-1 16,-17 0-16,0 1 15,-1 17 1,1 0 15,17 0-15,-35 17-1</inkml:trace>
+  <inkml:trace contextRef="#ctx0" brushRef="#br0" timeOffset="3082.11">5397 3881 0,'0'0'0,"-17"-18"15,17 0 1,0-17 0,0 17-16,17 1 15,19-1 1,-1 53 0,-17 18-1,-18-17 1,-18 16-1,-17-34 1,-1-18 0,19-35 31,52-18-32,-17 35 1,35 18-1,-36 36 1,1 16 0,-53-16-1,-1-1 1,19-35 0,-19-35-1,36-18 1,18-18-1,0 36 1,-1 17 0,-17 54-1,0 17 17,-17-18-32,-1-18 15,0 19 1,36-89 15,17-18-15,1 36-1,17-18 1,-36 53-16,19 18 16,-36 35-1,0 17 1,-36-35-1</inkml:trace>
+  <inkml:trace contextRef="#ctx0" brushRef="#br0" timeOffset="4518.72">5380 4075 0,'17'0'31,"1"35"16,-18 0-47,18 36 16</inkml:trace>
+  <inkml:trace contextRef="#ctx0" brushRef="#br0" timeOffset="4699.34">5415 4745 0,'0'17'0,"0"-34"0,0 70 16,0 0-1,0 17 1,0-17-16</inkml:trace>
+  <inkml:trace contextRef="#ctx0" brushRef="#br0" timeOffset="4884.22">5468 5274 0,'0'18'0,"0"-1"15,18 19 17,-18-19-32,0 1 15,0-1-15,-18-17 0</inkml:trace>
+  <inkml:trace contextRef="#ctx0" brushRef="#br0" timeOffset="5670.11">5309 5733 0,'0'0'0,"-17"-18"16,-1 0-1,53 1 1,-17 17-1,0 0-15,70-18 32,-53 18-32,0 0 31,-35 18 0,0 35-15,0-36-16,0 54 15,0 17 1,18-35 0,0 17-1,-18-52 1,-36-71 15,-17 18 0,36 17-31,-36 36 16,18 17 0,17 0 15,0 1-15,54-19-1,-19-17-15</inkml:trace>
+  <inkml:trace contextRef="#ctx0" brushRef="#br0" timeOffset="5982.39">5644 5786 0,'0'0'0,"0"-18"16,18 18-16,-18 35 31,18 18-15,-18-18-1,17 1-15,19-1 32,-19-35-32,1 0 15,17 0 1,-17-18-16,17-35 16,-17-17-1,-18 52-15,0 1 16,0-1-1,-18 18-15,0 18 16,1-1-16</inkml:trace>
+  <inkml:trace contextRef="#ctx0" brushRef="#br0" timeOffset="6235.65">5997 5733 0,'18'-18'15,"-36"36"-15,53-18 63,-35 17-63,18 1 0,17 35 16,18 35-1,-17-53 1,-1 18-1,-17-53-15,17 0 16,0-17 0</inkml:trace>
+  <inkml:trace contextRef="#ctx0" brushRef="#br0" timeOffset="8502.35">8872 1834 0,'-17'0'31,"34"0"16,1 0-31,-18 36 15,0-1-15,-18-17-1,-35 17 1,36-35-16,-18 0 16,-1-18-1,19-17 1,34-18 0,-17 35-16,53 1 15,18-1 1,-36 36-1,-17 52 1,-18-52 0,0 17-1,-18 1 1,0-19-16,1-52 31,17 0-15,0 17-16,17-17 15,19 17 1,-19 53 0,1 1-1</inkml:trace>
+  <inkml:trace contextRef="#ctx0" brushRef="#br0" timeOffset="9154.07">9243 1587 0,'-18'-35'0,"36"70"0,-54-70 16,54 70 15,17 18-16,-17 0 1,-18-17 0,0-19-16,0 1 15,-18-53 17,-17-36-17,35 36 1,-18-53-1,1-54-15,52 72 32,18 35-17,-18 35-15,18 35 16,35 53 0,-70-35-16,0 18 15,-36-1 1,-52 18-1,52-70-15,-35 17 16,0-17 0,88-36-1,54-35 1,-54 53 0,0-17-16,18 17 15,18 17-15,-19 54 31,-69-36-31,-71 36 32,35-54-32,-18 1 15,-35-36 1,71-17-16</inkml:trace>
+  <inkml:trace contextRef="#ctx0" brushRef="#br0" timeOffset="10539.12">5697 3704 0,'0'0'0,"-17"0"16,34 0-1,19 0 1,-1 0 0,18-35-1,-36 17-15,19 1 16,17-1 0</inkml:trace>
+  <inkml:trace contextRef="#ctx0" brushRef="#br0" timeOffset="10701.48">6121 3545 0,'0'0'0,"35"0"16,-17 0-1,-18-17-15,17 17 16,1 0 0,0-18-16,-1 18 15,36-18 1,-35 1-16,-1 17 0</inkml:trace>
+  <inkml:trace contextRef="#ctx0" brushRef="#br0" timeOffset="10870.99">6473 3457 0,'0'-17'0,"0"34"0,53-34 31,-35-1 0</inkml:trace>
+  <inkml:trace contextRef="#ctx0" brushRef="#br0" timeOffset="11021.12">6738 3351 0,'18'0'32,"17"-17"-1</inkml:trace>
+  <inkml:trace contextRef="#ctx0" brushRef="#br0" timeOffset="11183.22">7038 3246 0,'0'0'0,"35"-18"78,18-17-78</inkml:trace>
+  <inkml:trace contextRef="#ctx0" brushRef="#br0" timeOffset="11323.34">7302 3104 0,'0'0'31,"18"-17"-15,0-1-16,-1 1 15,36-19 1</inkml:trace>
+  <inkml:trace contextRef="#ctx0" brushRef="#br0" timeOffset="11451.21">7549 2928 0,'0'0'16,"0"-18"0,18 18-1,-18-17 1,18-1-16</inkml:trace>
+  <inkml:trace contextRef="#ctx0" brushRef="#br0" timeOffset="11588.23">7673 2787 0,'0'0'32,"18"-18"-1,-18-17-31</inkml:trace>
+  <inkml:trace contextRef="#ctx0" brushRef="#br0" timeOffset="11718.76">7761 2663 0,'0'0'16,"18"-17"31,-1-1-32,1 1-15</inkml:trace>
+  <inkml:trace contextRef="#ctx0" brushRef="#br0" timeOffset="11858.49">7973 2487 0,'17'-18'0,"1"1"46,53-36-14,-54 53-32</inkml:trace>
+  <inkml:trace contextRef="#ctx0" brushRef="#br0" timeOffset="12018.76">8255 2258 0,'0'-18'31,"0"36"-31,35-54 47,1 19-47</inkml:trace>
+  <inkml:trace contextRef="#ctx0" brushRef="#br0" timeOffset="12206.44">8502 2117 0,'35'-18'32,"-17"0"-17,-1 18 1,19-17 0,-19-1-1,1 18 1,17 0-1</inkml:trace>
+  <inkml:trace contextRef="#ctx0" brushRef="#br0" timeOffset="14286.45">7250 3440 0,'0'0'0,"0"-36"0,17 1 16,54 17-1,-54 36-15,1-18 16,17 35-16,18 18 16,35 88-1,-70-88 1,17 35-16,-17-52 16</inkml:trace>
+  <inkml:trace contextRef="#ctx0" brushRef="#br0" timeOffset="14639.37">7444 3863 0,'-18'0'0,"53"18"31,1-18-16,-1 0-15,35 0 16,54-36 0,-54 19-1,-17-54 1,-35 36 0,0 0 15,-18 17-31,0 0 0,0 1 15,17-1-15,-17 0 16,0 1 0,18 17-1,-18 53 1</inkml:trace>
+  <inkml:trace contextRef="#ctx0" brushRef="#br0" timeOffset="15035.32">7902 4339 0,'-53'-70'31,"36"52"-15,-1 0-16,0 1 16,-17-1-1,17 36 1,-34 35 0,34-36-16,-17 19 15,17 34 1,18-52-16,35 35 15,1 0 1,52 17 0,-53-52-16,0 35 15,-17 35 17,-36-88-32</inkml:trace>
+  <inkml:trace contextRef="#ctx0" brushRef="#br0" timeOffset="15190.01">7514 4639 0,'0'0'0,"18"-35"15,-1 17-15,36 0 16,71-34 0,-89 34-16,71-17 15,-71 35-15</inkml:trace>
+  <inkml:trace contextRef="#ctx0" brushRef="#br0" timeOffset="15422.16">8202 4304 0,'0'0'0,"0"-53"16,0 35-1,-18 1-15,1 17 31,-36 53-15,35 17 0,1-35-16,17 36 15,35 17 1,-17-70-16,17-18 16,106-18-1</inkml:trace>
+  <inkml:trace contextRef="#ctx0" brushRef="#br0" timeOffset="31662.35">5186 6509 0,'0'17'16,"0"-34"-16,0 52 15,-18-17 1,-17 70-1,17-35-15,18 35 16,-35 53 0,17-53-1,18-17 1,-17-54-16,17 19 0</inkml:trace>
+  <inkml:trace contextRef="#ctx0" brushRef="#br0" timeOffset="31877.44">5468 6685 0,'0'0'0,"0"-18"16,-18 36 0,-17 70-1,17-52-15,1 52 16,17 53-1,0-106-15,0 0 16,0 18-16,0-35 16,-18 17-16,1-17 0</inkml:trace>
+  <inkml:trace contextRef="#ctx0" brushRef="#br0" timeOffset="32163.32">5027 7038 0,'-88'-35'16,"35"52"0,35 1-1,18 35 1,36 17 0,-1-34-16,35 17 15,54-1 1,35-34-1,-36-36 1,-70 1-16,35-18 16,18-36-1,-71 53 1,-52-17 0,-1 35-16</inkml:trace>
+  <inkml:trace contextRef="#ctx0" brushRef="#br0" timeOffset="34328.87">2910 9066 0,'0'0'15,"-17"0"-15,-1-17 16,18-1 15,18 0-15,35 18-1,-18-17-15,53-1 16,36 1 0,-54 17-1,-52 0-15,-1 0 0,1 0 16,-18 35-1,0-18-15,-18 36 16,-17 53 0,35-53-16,0 18 15,-17-1 1,17 1 0,0-54-16,0 1 31,-18-36-31,-17-17 31,17 18-31,-17-36 16,-36 0-1,54 35-15,-36 18 16,0 35 0,35-17-16,0 17 15,18 18 1,0-35-16,18-1 0</inkml:trace>
+  <inkml:trace contextRef="#ctx0" brushRef="#br0" timeOffset="34732.19">3545 9296 0,'0'0'0,"36"-36"16,-36 19-1,0-1-15,0 0 32,-18 1-32,0 17 15,-17 17 1,0 19 0,0 17-1,17-18-15,18 0 16,0 18-1,0-35 1,18-18-16,34 0 16,-16-35-1,-19 17-15,1 0 32,17 1-17,-17 17-15,-18 35 16,0 18 15,0-18-15</inkml:trace>
+  <inkml:trace contextRef="#ctx0" brushRef="#br0" timeOffset="35060.94">3810 9331 0,'0'0'0,"0"-53"15,0 35-15,-18 1 16,18 34 0,18 1-16,-18 0 15,35 88 1,-35-54 0,0-16-1,0-19 16,36-105 1,-19 53-32,18-18 15,54 0 1,-72 53-16,19 18 16,-19 52-1,1-17 1</inkml:trace>
+  <inkml:trace contextRef="#ctx0" brushRef="#br0" timeOffset="35444.05">4657 9155 0,'0'0'16,"0"17"0,-18 1-16,18-1 15,0 1-15,-18 35 16,1 18 0,17-54-16,0 36 15,-18-18 1,53-123 15,-17 0-15,0 17-16,35-34 15,-1-19 1,19 89 0,0 88 15,-54-36-31</inkml:trace>
+  <inkml:trace contextRef="#ctx0" brushRef="#br0" timeOffset="35601.39">4762 9313 0,'0'0'15,"0"18"1,18-18-1,35 0 1,-18 0-16</inkml:trace>
+  <inkml:trace contextRef="#ctx0" brushRef="#br0" timeOffset="35978.97">5027 9349 0,'0'0'0,"-35"0"0,70 0 47,0 17-31,-17-17-16,0 0 15,35-17 1,-36-1-1,-17-17 1,-17-1 0,-19 36-1,19-17-15,-19 17 16,1 53 0,0 0-1,35 17 1,17-35 15,19-35-31</inkml:trace>
+  <inkml:trace contextRef="#ctx0" brushRef="#br0" timeOffset="36361.57">5345 9190 0,'17'-18'0,"-34"36"0,34-89 16,-17 54-16,0-1 15,0 36 1,0 17 0,0 71-1,0-89-15,-17 54 16,-1 0 15,18-36-15,18-88 15,34-18-15,-16 54-16,17-19 15,17 36 1,-34 18 0,-19 70-1,-52 0 1,0-70-1,-1 0-15,-17-18 16,0-18 0</inkml:trace>
+  <inkml:trace contextRef="#ctx0" brushRef="#br0" timeOffset="37031.19">6526 9137 0,'0'0'15,"-17"-35"1,17 17-1,0 36 17,0-1-32,0 1 0,0 52 15,0-17 1,0-17 0,-18-1-16,-17 0 15,52-88 32,19-70-31,-19 88-16,36-54 15,35-16 1,-52 87 0,17 53-1,-36 0-15,-17 36 16,0 17-1,0-35 1,-17-35 0,34-36-1,19-70 1,34-18 0,18 36 15,-52 52-31,-19 18 15,19 0-15,-1 53 16,0 35 0,-35-53-16,0 36 15,0-1 1,0-52-16,-18 17 16</inkml:trace>
+  <inkml:trace contextRef="#ctx0" brushRef="#br0" timeOffset="37384.99">7355 9049 0,'0'0'0,"53"-53"15,-35 53 1,-18 35 0,-18 36 15,18-54-31,-35 36 15,17 0 1,18-35 0,0-36-1,0 0-15,18-34 16,53-54 0,-54 53-16,36-18 15,0 54 1,-18 52-1,-17-17-15,0 70 16,-18 35 0,0-88-1,0 1-15,-18-19 16</inkml:trace>
+  <inkml:trace contextRef="#ctx0" brushRef="#br0" timeOffset="37961.23">7444 9155 0,'-18'-18'16,"36"36"-16,-36-54 16,71 36 15,53-17-15,-18-1-1,18-17 1,-89 17-16,19-17 15,-19 0 17,-17 17-32,0 88 31,0-34-15,-17 105-1,-19-71 16,36-52-31,-17 0 16,17-54 0,0 19-16,0-1 0,0-17 15,17-53 1,1 35-16,17-53 16,36 0-1,-54 88-15,1 18 16,35 36-1,-35-19-15,-1 54 16,1 35 0,-36-89-16,1 36 15,-19-17 1,19-19 0,-1 1 15,18-1-31,0 1 15,18 0-15</inkml:trace>
+  <inkml:trace contextRef="#ctx0" brushRef="#br0" timeOffset="38447.12">9066 9013 0,'-17'0'0,"-19"-17"0,89 34 0,-123-34 16,35-18 0,17 52-1,-17 54 16,-18-18-15,35-36-16,-17 54 16,0-18-1,35-36-15,0-52 32,17-18-17,1 0-15,17-35 16,53-88-1,-70 123-15,35-18 16,17 71 0,-34 53-1,17 159 17,-36-142-32,-17-17 0,18 71 31</inkml:trace>
+  <inkml:trace contextRef="#ctx0" brushRef="#br0" timeOffset="38982.24">8978 9066 0,'0'0'16,"35"-17"-1,18-1 1,-17 18-1,-1-18-15,0 18 0,0-17 16,18-1-16,36-17 16,-54 17-16,0 1 15,-17-19 1,-36 54 31,18 0-32,0 17-15,-17 18 16,17 35 0,-18-17-1,18-1 1,-18-70 0,18-35-1,0 17-15,0-17 16,0-89-1,0 72-15,18-37 16,17-34 0,36 105-1,-1 54 17,-17-1-32,-35 35 15,-71-17 16,-18-17-15,36-36-16,-18 17 0</inkml:trace>
+  <inkml:trace contextRef="#ctx0" brushRef="#br0" timeOffset="39517.8">9807 8890 0,'35'-18'0,"-70"36"16,88-36-16,-53 54 31,-18 17-15,1-36 0,-1 54-16,1 17 31,-1-70-31,18-1 15,-18 18 1,18-105 15,18-54-15,0 19 0,34-107-1,-16 159 1,-36 35-16,35 18 15,-17 18 1,17 0-16,18 70 16,-53-53-16,0 36 15,-53 17 1,-18-53 0,18-17-1,53-1 16,18 1-15,53 35 0,-1-18-1,-17 36 1,-35-54-16</inkml:trace>
+  <inkml:trace contextRef="#ctx0" brushRef="#br0" timeOffset="41516.29">12277 8643 0,'-36'-35'15,"19"35"-15,-19-18 16,72 18 0,34-18 15,-17 18-31,18 0 15,35-17 1,-53 17 0,-53 17-1,-36 36 1,19-17-16,-19 52 16,19 53-1,17-35 1,0-18-1,17-53-15,-17-17 16,0-53 15,-17-36-15,17 36 0,-36-36-1,-17 36-15,36 17 16,-18 18-16,-1 0 15,-52 36 1,70-19-16,-17 36 16,35 0-1,35-35-15,-17-18 16</inkml:trace>
+  <inkml:trace contextRef="#ctx0" brushRef="#br0" timeOffset="41881.24">12788 8767 0,'18'-89'31,"-36"178"-31,36-125 47,-36 89-31,1-18-16,-1 36 15,18 17 1,0-53-16,18-17 16,-1-18-1,36-35 1,-18 17-16,18-52 16,18-89-1,-36 35 1,-35 71-1,-18 53 1,-17 71 0,18 0-1</inkml:trace>
+  <inkml:trace contextRef="#ctx0" brushRef="#br0" timeOffset="42214.07">13300 8590 0,'0'0'0,"17"-53"16,-17 36-16,0 17 31,0 70-16,-17-35-15,-1 54 16,-17 52 0,17-35-1,36-54 1,17-34 0,18-18-1,88-18 1,0-34-1,-88 16-15</inkml:trace>
+  <inkml:trace contextRef="#ctx0" brushRef="#br0" timeOffset="45485.97">3069 10301 0,'0'-35'47,"18"35"-32,-18-18 1,0 1 0,0 34 31,0 1-1,-35 35-14,-160 53-1,178-89-15,-18 1-16,123 52 46,-35-52-46,88 70 16,-53-52 0,-53-19-16</inkml:trace>
+  <inkml:trace contextRef="#ctx0" brushRef="#br0" timeOffset="46734.01">4551 10354 0,'0'0'0,"-18"0"16,1 0-16,-1 35 31,-17 18-15,35-35-16,-18 17 15,0 18 1,1-35 15,17-71-15,35-18-1,18-52 1,-18 17 0,0-35 15,-17 106-31,35-1 16,18 72-1,-36 16-15,18 37 16,17 87-1,-34-70 1,-36 0 0</inkml:trace>
+  <inkml:trace contextRef="#ctx0" brushRef="#br0" timeOffset="46901.26">4586 10460 0,'0'0'0,"-18"-35"15,54 17 1,122 0 15,-122 1-31,17 17 16</inkml:trace>
+  <inkml:trace contextRef="#ctx0" brushRef="#br0" timeOffset="47168.07">5274 10372 0,'18'0'0,"-36"0"0,53 0 31,-35-18-31,-17-17 32,-36 17-17,17 36 1,-34 35-1,70-36-15,-18 36 32,18-35-32,18 35 0,52 0 31,1-53-15,17 0-16</inkml:trace>
+  <inkml:trace contextRef="#ctx0" brushRef="#br0" timeOffset="47346.44">5644 10054 0,'-17'-35'0,"34"70"0,-52-88 16,35 71 0,0 88-1,18-71-15,-18 71 16,17 35 15,-17-88-31,0-18 0</inkml:trace>
+  <inkml:trace contextRef="#ctx0" brushRef="#br0" timeOffset="47866.09">5574 10336 0,'0'-35'15,"0"70"-15,35-70 32,18 53-17,35-1 1,53-17 0,-88 0-16,18-17 15,-18-19 16,-53 19-31,0-18 16,-18 35 0,-35 35 15,53-18-31,-17 54 16,17 0-1,0-36-15,17 18 16,18 0-1,18-36 1,-35-34-16,0-1 16,35-70-1,-53 53-15,35-36 16,-17 0 0,-18 54-1,17 34 1,-17 1-16,18 35 31,-1 35-31,1-53 16</inkml:trace>
+  <inkml:trace contextRef="#ctx0" brushRef="#br0" timeOffset="48550.22">6579 10389 0,'0'0'0,"36"0"16,-19-17-16,-17-1 16,18-17-1,-18 17-15,0-17 16,-53-18 0,18 53-1,-18 0 1,35 18-1,0 34-15,1 37 16,17-36 0,0-1-1,17-34 1,19 0 0,-19-18-16,19-18 15,-1-17 1,-17-18-1,-1 35-15,-17 1 0,0-1 16,0 0 0,0 54-1,0-19 1,0 1-16,18 17 16,35 0-1,35-52 1,0-36 15,-17 0-31,-36 18 16,-17-18-16,17-141 31,-35 141-31,-18-35 16,-35 52-1,36 19-15,-1 17 0,0 17 0,1 89 31,17 35-15,17-52 0,19 69-1,-19-122 1,1-19 0,0-17-16,-1 0 0</inkml:trace>
+  <inkml:trace contextRef="#ctx0" brushRef="#br0" timeOffset="48833.47">7214 10178 0,'18'-18'0,"-36"36"0,54-107 16,-19 54 15,-52 18-15,0 17-1,-1 17 1,36 36-1,71 35 1,-18-35 0,35 18-1,-35-36 1,-88 0 0,-1-35-1,-69 0 1,69-17-16</inkml:trace>
+  <inkml:trace contextRef="#ctx0" brushRef="#br0" timeOffset="49887.29">8237 10160 0,'-35'0'0,"70"0"0,-193-18 31,87 18-15,53 0 0,71 18 15,53 0-16,35-18 1,177-18 0,-177 18-16,194-18 15,247 18 1,53 0 0,-212 18-1,-229-18-15,177 18 16,70-1-1,-318-17 1,54 18-16,-54-18 16,-35 0 15,-70 0-15,35 0-1,-18 0 1,-17 0-1</inkml:trace>
+  <inkml:trace contextRef="#ctx0" brushRef="#br0" timeOffset="50216.75">12682 9966 0,'-70'-53'32,"70"35"-17,70 89-15,-140-159 31,105 88-15,-17 0 0,17 35-1,-17-17-15,-1-1 0,36 19 16,-35-19 0,35 54-1,-53-54-15,0 36 16,-36 36-1,-34-37 1</inkml:trace>
+  <inkml:trace contextRef="#ctx0" brushRef="#br0" timeOffset="52454.01">13123 9349 0,'0'0'0,"0"-18"15,0-17 1,18 35 15,35 70-15,-35-17 0,34 71-16,37 193 15,-19-70 1,-17 159-1,-18-36 1,-17-123 15,0-176-31,-18 17 16,0-70 0,17-54 15,-34 1-16</inkml:trace>
+  <inkml:trace contextRef="#ctx0" brushRef="#br0" timeOffset="53172.97">12894 11307 0,'0'0'0,"-18"-18"15,54 18 16,52 70-15,-53-52-16,53 53 16,18-1-1,-71-35-15,54 18 16,34-35 0,-88-18-16,18-53 15,18-35 1,17-71-1,-35 0 1,-35 71 15,-18 71-15,-18 87 0,18-35-16,-18 54 15</inkml:trace>
+  <inkml:trace contextRef="#ctx0" brushRef="#br0" timeOffset="53768.36">13000 12541 0,'0'-17'16,"17"-19"-1,-17 19 1,0-19 0,-35-17-1,18 36-15,-54 17 16,-88 70 0,53 54-1,-17 88 1,105-142-16,36 71 15,141 0 17,-89-141-32,1 0 0,52-35 15,-52 0-15</inkml:trace>
+  <inkml:trace contextRef="#ctx0" brushRef="#br0" timeOffset="54152.95">13141 12735 0,'0'0'0,"0"-17"16,18 17-16,-18-18 0,0 0 16,17 71 30,-17 0-30,18-18-16,0 36 16,17 35-1,-18-71-15,1 0 16,53-35 0,-36-53-1,0-52 1,-17-36-1,-53 52 17,17 54-17,-17 35 1,35 18-16,0-1 16</inkml:trace>
+  <inkml:trace contextRef="#ctx0" brushRef="#br0" timeOffset="54401.06">13582 12435 0,'0'-17'0,"0"34"0,18-70 31,-1 89-15,18 87-1,1 1 17,-1 87-17,-17-158-15,-1 35 16,1-52-16</inkml:trace>
+  <inkml:trace contextRef="#ctx0" brushRef="#br0" timeOffset="54570.16">13635 12718 0,'0'0'16,"-18"-36"-16,36 36 31,35 0-15,-18 0-1,36-17-15</inkml:trace>
+  <inkml:trace contextRef="#ctx0" brushRef="#br0" timeOffset="55268.32">14270 12629 0,'0'0'0,"17"-35"16,-17 18 0,-35 17-1,0 70 1,0 36 15,35-18-15,35 18-1,0-88-15,36-1 16,70-52 0,-106 0-16,18-36 15,-35 1 1,-71-54-1,18 89-15,-54 0 16,-17 17 0,54 36-1,52-1 1</inkml:trace>
+  <inkml:trace contextRef="#ctx0" brushRef="#br0" timeOffset="55603.67">14552 12524 0,'18'0'32,"17"35"-17,-17-17-15,17 34 16,53 72-1,-53-54 1,-17-52-16,17 17 16,1-70 15,-19-18-31,1 0 16,-1 18-16,-17-124 15,0 124-15,0-36 16,0 36-1</inkml:trace>
+  <inkml:trace contextRef="#ctx0" brushRef="#br0" timeOffset="55953.54">15011 12541 0,'17'0'16,"-34"0"-16,34 18 0,1-18 15,0 18 1,35 17 15,-36-35-15,1 0-16,35-18 16,-18-35-1,-35 36 1,0-36-1,-18 35-15,-17-35 16,0 18 0,0 35-16,-1 35 15,1 71 1,35-71-16,18 53 16,35 18-1,-18-70 1,0-36-16</inkml:trace>
+  <inkml:trace contextRef="#ctx0" brushRef="#br0" timeOffset="56237.97">15381 12471 0,'-18'-53'0,"36"106"0,-53-177 16,35 107-16,0-1 16,17 53-1,72 53 1,-36 1 15,-18-54-31,18 35 16,-36 1-1,-70-124 17,1-88-17,52 70-15,35-34 16,71-37-1,-71 142-15,18 0 16,0 36-16</inkml:trace>
+  <inkml:trace contextRef="#ctx0" brushRef="#br0" timeOffset="60573.04">14058 9895 0,'0'0'0,"-17"-17"15,-1 17 17,36 17-17,87-17 1,-16 0-16,228-17 16,512-54-1,-441 36-15,35 0 16,1518-89 15,-1042 71-31,-511 36 0,-70-1 16,423 0-1,-671 1 1,-193 17 0,52 0-1,-87 0-15,-72 0 16</inkml:trace>
+  <inkml:trace contextRef="#ctx0" brushRef="#br0" timeOffset="60907.95">19738 9419 0,'0'0'16,"0"-35"-1,18 35-15,-18-18 16,17 18 15,1 18-15,-1 0-16,19-1 15,34 18 1,-34-17-16,52 35 16,-53 18-1,-53-36-15,-70 35 16,0-52-16,-18 17 16</inkml:trace>
+  <inkml:trace contextRef="#ctx0" brushRef="#br0" timeOffset="63073.4">15963 10283 0,'18'-17'16,"-1"-1"-1,1 1 1,0 17-16,-1-18 31,1 18-15,-18-35 15,0-36-15,-18 1-1,-17 34 1,17 36-16,-52 18 16,-18 105-1,17 107 1,54-19 0,17-105-1,17 106 1,18 52-1,-17-211-15,-18 36 16,-35-89 0,-36-71-1,-52-105 1,105 123-16,-35-71 16,53 1-1,18 87 1,52 19-1,-17-1-15,53 18 16,88-35 0,-53 17-1,-88 1-15,53-1 16,-35 18 0,-54-18 15,-34 1-16,-1-1 1,-35 18 0,18 0-16,-1 18 15,-16 52 1,16-17 0,36 18-1,18-54-15,17 1 16,18-36-1,0-35 1,-18-17 0,-35 52-1,0-17 1,0 17-16,-17 1 31,87 34 0,-52-17-31,0 0 16,34 0 0,-16 0-1,-1-17 1,18 17 0,17-18-1,-52 36-15,35-1 16,0 19-1,-53 17 17,-35-36-32,-36-17 15,18-35 1,53 0 0,18 17-1,17-35 1,71 0-1,-71 35-15,0 18 0,1 0 16,17-17 0,-53 34 31,17-17 31,1 0-47,0 0 0,-1-17-15,1 17-16,0 0 31,-36 0-15,0 0-1,-17 0 1,17 0-16,-17 17 31,0 72-15,35-54-1,0-17-15,35 70 16,18-71 0,-18-17-16,71 0 15,35-35 1,-17-18 15,-107 18-15</inkml:trace>
+  <inkml:trace contextRef="#ctx0" brushRef="#br0" timeOffset="64038.32">17533 10460 0,'35'-35'32,"-70"70"-32,88-106 15,-71 54 1,-52 34 15,34 19-15,-34 52-1,70-71-15,-18 36 16,71 18 0,0-53-1,88-36 1,-105 18-16,52-35 16,0-54-1,-70 54 1,-1-35-1,-34 52-15,-1 0 16,-17 1 0,17 17-1,0 17 1,18 1-16,-17 52 31,17-34-15,35-19-16,-35 1 15,18-18-15,-1 0 16,36 0 0,-18-18-1,18 1 1,-17-1 0,-19 0-1,-17 1-15,18-1 16,-18-17-1,18 0 1,-1 17 0,1 18-16,-18-18 15,0 36 95,0 35-95,0-35 1,53 52 0,35-35-1,-17 1 1,-54-1-1,-70-17 1,36-18-16,-54 17 16,-17-52-1,70 17 1,1-35-16,17 18 16</inkml:trace>
+  <inkml:trace contextRef="#ctx0" brushRef="#br0" timeOffset="64222.08">18186 10248 0,'53'-70'15,"-106"140"-15,141-176 16,-70 106-16,-1-17 16,1 34-1,-18 1-15,0 35 16,17 53 0,19 17-1,-1-35 1,-35-35-1</inkml:trace>
+  <inkml:trace contextRef="#ctx0" brushRef="#br0" timeOffset="64325.84">18309 10425 0,'18'-36'16,"-36"72"-16,106-125 0,-35 54 15,53-18 1,35 0-1</inkml:trace>
+  <inkml:trace contextRef="#ctx0" brushRef="#br0" timeOffset="66574.71">14464 8572 0,'0'-17'0,"18"17"15,-1 0 17,-17 35-17,0-17-15,0-1 16,0 1-16,-17 17 0,17 1 15,0-1-15,-18 53 16,0-35 0,18-18-16,0 1 15,18-72 17,-18 1-17,18 0-15,34-124 16,19-17-1,-53 123-15,-1-18 16,36 71 0,18 106 15,-18 0-15,-36-53-16,19 53 0,16 17 31,-52-88-31</inkml:trace>
+  <inkml:trace contextRef="#ctx0" brushRef="#br0" timeOffset="67006.75">14640 8819 0,'-35'-70'0,"17"17"16,54-18-1,-1 54 1,0-1-16,106 0 15,0-17 1,-88 35 0,0-35 15,-53 17-31,-17 1 31,-1 17-15,18 17-16,0 19 15,0 69 1,0-69-16,18 17 0,-18-18 16,35 53-1,0-70 1,0-36 0,-17 0-16,35-34 15,0-90 1,-18 54-1,-35-18 1,0 71 0,-17 35-16</inkml:trace>
+  <inkml:trace contextRef="#ctx0" brushRef="#br0" timeOffset="67457">15557 8396 0,'36'-35'16,"-36"17"15,-18 1-15,-17 52 0,0 35-1,35-52 1,0 17-16,0 1 15,0-19-15,141 107 32,88-107-1,-229-17 0,-18-17-15,1 17-16,-19 0 15,19 0 1,-1 0-16,18 53 31,18-18-15,-18-17 0,0-1-1,0 1 16</inkml:trace>
+  <inkml:trace contextRef="#ctx0" brushRef="#br0" timeOffset="67939.86">17145 8273 0,'0'-18'15,"-18"18"-15,36 18 0,-53-54 0,-1 19 16,-34-19-1,17 36 17,-53 36-32,71-19 15,17 1-15,1 0 0,17 52 32,35-17-17,106 53 1,-123-88-1,52 17-15,-52 0 16,-36 0 0,-35 1-1,-53-19 1,18 1 0,88-71-1</inkml:trace>
+  <inkml:trace contextRef="#ctx0" brushRef="#br0" timeOffset="68342.09">17216 8343 0,'0'0'0,"52"-35"0,-34 35 16,-18-18-16,0 1 16,-18-1-1,1 18 1,-1 18-1,1-1 1,17 54 0,17-54-1,1 1-15,88-36 47,-1-70-16,-105 71-31,-35-19 32,-124 72-1,142-1-31,17 0 16,0-17-16,0 52 15,70 36 1,19-71-1,34-17 1</inkml:trace>
+  <inkml:trace contextRef="#ctx0" brushRef="#br0" timeOffset="68723.86">17762 8326 0,'0'0'16,"-17"-106"-1,17 88-15,-18 18 16,18 35-1,0-17 1,0 17-16,-18 18 0,18 71 31,18-19-15,0-69-16,-18-19 0,0 1 16,0 0-16,0-36 31,0-35-16,0-70 1,17-1 0,36 54-1,18 17 1,-1 53 0,-52 53-1,-18 0 1,-88-1-1,53-34-15,-1 0 16</inkml:trace>
+  <inkml:trace contextRef="#ctx0" brushRef="#br0" timeOffset="69042.89">19509 8114 0,'0'-53'31,"-18"53"-16,18 53 1,0 35 15,0 53-15,0-106-16,0 1 0,-18-1 16,18 0-16</inkml:trace>
+  <inkml:trace contextRef="#ctx0" brushRef="#br0" timeOffset="69306.84">19367 8220 0,'-70'-106'32,"140"212"-32,-122-247 15,87 141-15,71 17 16,105 36-1,-140-18 1,-18 1-16,53 52 31,-106-70-31,-53 34 0,-141 19 32,17-53-17,107-36 1</inkml:trace>
+  <inkml:trace contextRef="#ctx0" brushRef="#br0" timeOffset="69560.11">20108 8096 0,'106'-17'0,"-212"34"0,265-70 16,-141 18-1,-106 17 1,-36 54 15,89-19-31,17 19 0,-17 87 31,88-17-15,35-36 0,53-52-1,-106-18-15,1 0 0</inkml:trace>
+  <inkml:trace contextRef="#ctx0" brushRef="#br0" timeOffset="69697.33">20179 8290 0,'-35'0'0,"70"0"0,-88 0 15,35 0-15,36 0 16,123-17 0,-17-19-1,87 1 1,-158 17-1</inkml:trace>
+  <inkml:trace contextRef="#ctx0" brushRef="#br0" timeOffset="69977.48">20920 7955 0,'0'-18'15,"0"36"-15,-18-36 16,0 18-16,-17 0 16,-35 53-1,-1 36 1,71-19 0,0-17-16,53 18 15,123-1 1,-123-70-1,18 0-15,-1 0 0</inkml:trace>
+  <inkml:trace contextRef="#ctx0" brushRef="#br0" timeOffset="72475.75">2611 14605 0,'0'0'15,"17"-71"1,36 19 15,0 52-15,18 35 0,-36-18-16,35 54 15,107 52 1,-124-70-16,105 53 15,1 0 1,-71-71-16,106 54 16,89 34-1,-178-105-15,125 35 16,-1-1 0,177-52-1,-247-17-15,193-36 16,266-71-1,-19 1 1,-246 35 0,-212 52-1,124-34 1,88-54 0,-248 89-16,142-71 15,18 18 1,-142 53-16,142-18 15,105 35 1,-246 36-16,88 17 16,123 71-1,-18 18 1,-211-89 0,123 106-1,-105 18 1,-124-89-1,-35 1 1,17-71 0,-35 17-1,35-17-15,1-52 32,34 16-17,1 19-15,35-36 16,106-71-1,-106 107 1,17-19-16,1 19 0,299-36 31,106 53 1,-211 17-32,88 19 15,-142-36 1,-105 17-16,106-17 31,105 0-15,-228 0-16,-1-17 0,0 17 0,124-36 31,-177 19-31,18-1 16,0-35-1,-36 36-15,1-36 16,-18-36-1,0 37 1,18 16 0,-18 19-16,0-1 31,-18 18 0,18-18-15,-53 18-1</inkml:trace>
+  <inkml:trace contextRef="#ctx0" brushRef="#br0" timeOffset="76044.31">14728 14305 0,'0'0'0,"36"-35"15,-19 35 1,1 17 31,17 72-32,-17-54-15,35 71 16,35 70 0,36-35-1,-89-105-15,0-19 16,18 18-16,35 1 15,71-36 1,-106-18-16,88-35 16,18-35-1,105-71 1,36 1 0,35 34-1,-88 71 16,141 35-15,-105 18-16,210 89 31,-299-19-15,-123-34-16,35 52 16,-36 35-1,-70-35 1,0-52-1,-17-36 1,-19 0 0,36-18-16,-52-17 15,-1-71 1,53 18 0,70-53-1,-17 105-15,71-17 31,-36 18-31,88 0 16,142-18 0,-195 35-16,1 1 0,17 17 15,159 0 1,-159 0-16,176 17 16,124 19-1,-70 16 1,-266-52-16,231 0 31,-125-70-15,-34-54-1,-36-17 17,-106 88-32,0 1 0,36-90 15,-71 1 1,-35 71-1,-1 17 17,19 35-32,17 1 15,-18 17-15,0 17 32,-52 36-32</inkml:trace>
+  <inkml:trace contextRef="#ctx0" brushRef="#br0" timeOffset="82362.02">19315 4233 0,'17'0'0,"-34"0"16,34-17-16,1-1 15,-18 0 1,17 18 0,-17 18-16,0 17 15,36 106 1,-1 36-1,0-54 1,-17-70-16,-18 35 16</inkml:trace>
+  <inkml:trace contextRef="#ctx0" brushRef="#br0" timeOffset="82666.32">19844 3845 0,'35'0'15,"-70"0"-15,176 71 16,-53 17-1,18 124 1,-71-124-16,-17 106 16,-53 70-1,-36-105 1,36-106 0</inkml:trace>
+  <inkml:trace contextRef="#ctx0" brushRef="#br0" timeOffset="83201.95">19473 5838 0,'0'-17'0,"0"34"0,-17-34 15,17-1-15,0-35 16,35 0 0,-17 36-16,52-1 15,54 36 1,-71 17 0,-18-17-16,-35 17 15,0 0-15,-35 71 16,-107 17-1,54-52 1,35-53-16,0 35 16,53-18-1,36-35 1,17 0-16,105-18 16,-52 1-1,18-36 16,-89 35-31</inkml:trace>
+  <inkml:trace contextRef="#ctx0" brushRef="#br0" timeOffset="83464.46">20144 5539 0,'-18'-36'31,"36"72"-31,-18-72 16,17 36-16,36 36 16,71 69-1,-54-16 1,-17-36 0,0 52-16,-53 72 31,-35-124-31,-106 70 15,35-70-15</inkml:trace>
+  <inkml:trace contextRef="#ctx0" brushRef="#br0" timeOffset="84895.77">21272 4233 0,'0'0'0,"18"0"16,0-17-1,17-19 1,-17 1 0,-36-18-1,0 36-15,-17-1 16,-88 53 0,34 36-1,1 70 1,71-71-16,17 36 15,88 0 1,106-35 0,-18-89-1,-88 0-15,1 1 16</inkml:trace>
+  <inkml:trace contextRef="#ctx0" brushRef="#br0" timeOffset="85114">21855 3863 0,'-36'-88'16,"72"176"-16,-72-176 15,36 105-15,0 36 16,18 35 0,0-35-16,-1 53 15,1 53 1,-1-18-1,36-70 1,-53-54 0</inkml:trace>
+  <inkml:trace contextRef="#ctx0" brushRef="#br0" timeOffset="86185.99">22560 4322 0,'18'-53'16,"-1"35"-16,-52 89 0,70-213 15,-35 72 1,-35-36 0,-53 71-1,-18 70 1,71 0-1,-18 36-15,35-1 16,18 54 0,36-36-1,16-35 1,1-35 15,36-71-15,-72 35-16,-17-17 15,35-71 1,-17 35 0,-18 1-1,0 52-15,0 36 16,18 35 0,-1 35-1,19-35 1,-19-35-16,19 17 15,17-18 1,35-34 0,-18-36-1,-34 35 1,-19-35-16,18 18 16,36-265 15,-106 247-16,17 36-15,-17-1 0,0 18 16,17 18-16,-35 17 16,35-17-16,1 52 15,87 18 1,1-17 0,70-1-1,-106-34-15,18-1 16,-35 0-1,-71 1 1,0-19 0,35-17-16,-17 0 15,53-53 17,-1 36-32,107-89 31,17-35-16,-88 105-15,0-34 16,0-1 0,-53 36-1,-18 17 1,0 18 0,1-17-16,-19 17 15,1 53 1,53 17-1,70 18 1,-35-17 0,53 35-1,-71-36 1,-53-17 15,-52-35-15,52-18-16</inkml:trace>
+  <inkml:trace contextRef="#ctx0" brushRef="#br0" timeOffset="86398.37">23830 3881 0,'0'-89'31,"0"178"-31,0-107 47,35 212-31,-17-106-1,-18-70 1</inkml:trace>
+  <inkml:trace contextRef="#ctx0" brushRef="#br0" timeOffset="86563.95">23954 3475 0,'0'0'15,"0"-35"-15,0 17 0,-36 18 16,19 0 0,17 18-16,-18 17 15,18 18 1</inkml:trace>
+  <inkml:trace contextRef="#ctx0" brushRef="#br0" timeOffset="86818.19">24236 3704 0,'17'-17'0,"-34"34"0,52-34 15,-17-1-15,-36 18 31,-70 53-15,53-36-16,-54 54 16,19 70-1,70-53 1,106 18 0,-53-71-16,105 1 15,-69-36-15,69-18 16</inkml:trace>
+  <inkml:trace contextRef="#ctx0" brushRef="#br0" timeOffset="87631.89">21661 5415 0,'0'0'0,"0"-18"16,0 1-16,0-1 15,0 18 1,-18 53 0,0 18-1,-17 87 1,0-16 0,17-72-1,0-35-15,18 1 16,0-72 15,18-105 0,17 18-31,-35 52 16,36-52 0,-36 87-16,35-34 15,18 88 1,0 52-1,17 89 1,-52-106-16,35 53 16,0-1-1,-18-87 1,18-53 0,-35 17-16,-1-17 15,19-89 1,-19 54-16,1-1 0,17-123 15,-17 106 1,-18 53-16,17 105 31</inkml:trace>
+  <inkml:trace contextRef="#ctx0" brushRef="#br0" timeOffset="88474.32">22401 5627 0,'0'17'0,"18"1"16,-36-53-16,54 88 0,-36-36 31,70-17 31,71-88-30,-105-35-1,-125 34 0,72 107-31,-1 17 16,-52 71-1,34-18 1,54 71 0,0-106-1,70-18 1,-53-35-16,36-17 16,17-36-1,35-71 1,-17-17-1,-53 35 1,-53 71 0,-18 53 15,18 35-15,-17-36-16,17 54 15,17-1 1,36 1-1,0-53 1,-35-18-16,17 0 16,18-53-1,-18 0 1,18 0-16,-35 18 16,52-18-1,-52 53-15,17 17 16,-17 1-16,35 53 15,-18-19 1,0 19 0,-17-71-1,17 0-15,18-35 32,-17-18-17,-19 0-15,-17-35 16,-70-53-1,-36 88 1,35 35-16,-35 0 0</inkml:trace>
+</inkml:ink>
+</file>
+
+<file path=ppt/ink/ink2.xml><?xml version="1.0" encoding="utf-8"?>
+<inkml:ink xmlns:inkml="http://www.w3.org/2003/InkML">
+  <inkml:definitions>
+    <inkml:context xml:id="ctx0">
+      <inkml:inkSource xml:id="inkSrc0">
+        <inkml:traceFormat>
+          <inkml:channel name="X" type="integer" max="1920" units="cm"/>
+          <inkml:channel name="Y" type="integer" max="1080" units="cm"/>
+          <inkml:channel name="T" type="integer" max="2.14748E9" units="dev"/>
+        </inkml:traceFormat>
+        <inkml:channelProperties>
+          <inkml:channelProperty channel="X" name="resolution" value="55.81395" units="1/cm"/>
+          <inkml:channelProperty channel="Y" name="resolution" value="55.6701" units="1/cm"/>
+          <inkml:channelProperty channel="T" name="resolution" value="1" units="1/dev"/>
+        </inkml:channelProperties>
+      </inkml:inkSource>
+      <inkml:timestamp xml:id="ts0" timeString="2023-07-06T06:02:03.972"/>
+    </inkml:context>
+    <inkml:brush xml:id="br0">
+      <inkml:brushProperty name="width" value="0.05292" units="cm"/>
+      <inkml:brushProperty name="height" value="0.05292" units="cm"/>
+      <inkml:brushProperty name="color" value="#FF0000"/>
+    </inkml:brush>
+  </inkml:definitions>
+  <inkml:trace contextRef="#ctx0" brushRef="#br0">15557 5997 0,'18'-17'16,"17"-1"-16,-35 0 31,-17 18-15,-36 0-1,18 18-15,-71 35 32,0 17-32,53-34 0,-53 70 15,53 70 1,53-123-1,36 53-15,122-18 32,-70-71-32,-17 1 0,194-36 31,-177-17-31,-18 0 0</inkml:trace>
+  <inkml:trace contextRef="#ctx0" brushRef="#br0" timeOffset="402.52">16581 6068 0,'0'0'0,"0"-18"16,-18-35 15,0 36-31,-17-1 16,-18 0 0,0 18-1,-53 53 1,71-35-16,-36 52 15,54-34-15,-18 52 16,35-35-16,0 0 16,17-18-16,36 53 15,88 0 1,-88-88-16,35 18 16,36-36-1</inkml:trace>
+  <inkml:trace contextRef="#ctx0" brushRef="#br0" timeOffset="598.54">16175 6262 0,'35'0'31,"0"0"-31,36 0 15,52-18 1,-70 18-16,36-17 16,-54-1-16</inkml:trace>
+  <inkml:trace contextRef="#ctx0" brushRef="#br0" timeOffset="1000.83">17304 5962 0,'0'0'0,"-36"-18"16,1 18-16,0 0 16,-71 0-1,36 36 1,17 69-1,53-52-15,0 36 16,70 52 0,-52-106-16,70 18 15,-17-18 1,-19-35-16,37-18 16,34-70-1,-105 53 1,17-71-16,-35 36 15,0-54-15,-53 18 16,-70 18 0,-1 88 15,54 0-31</inkml:trace>
+  <inkml:trace contextRef="#ctx0" brushRef="#br0" timeOffset="1734.7">17868 5574 0,'-17'-18'0,"34"36"0,-105-89 15,53 36 1,-89-36-16,-123-17 16,53 35 15,-176 18-15,246 35-16,-158 0 15,-176 53 1,299-18-16,-159 53 15,1 18 1,176-53-16,-124 71 16,-52 123-1,246-177-15,-35 107 16,71 87 0,88-105-1,88 53 1,-70-159-1,70 70-15,123 0 32,-70-34-17,159-1 1,-212-71-16,141 1 16,-123-18-16,194-35 15,211-71 1,-193 0-1,105-88 1,-353 106-16,89-106 16,-18-141-1,-159 211-15,-17-87 16,-18 17 0,-35 105-16,0 19 15,-248-124 1,195 176-1,-106-35-15,124 53 16,-19 0 0,19 0-16,-36 0 15,18 36-15</inkml:trace>
+  <inkml:trace contextRef="#ctx0" brushRef="#br0" timeOffset="3962.79">16087 7267 0,'17'-17'16,"-17"-1"0,-17 53 15,-1 53-15,0-35-1,18 71-15,-17-54 16,17 19-16,-36 228 31,19-176-15,-1-17-16</inkml:trace>
+  <inkml:trace contextRef="#ctx0" brushRef="#br0" timeOffset="6854.05">5115 8220 0,'36'0'0,"-72"0"0,107 0 16,-54 0-16,125 17 15,-54-17 17,-35 0-32,35 0 15,124 18 1,-142-18-16,106 0 16,89 18-1,-159-18 1,106 17-16,-124 1 0,18-18 15,193 18 1,-52-1 0,-70 1-1,-107-1-15,107 1 16,105 0 0,-176-18-1,123 0-15,89 0 16,-107 17-1,89-17 17,-212 0-32,71 0 15,123 0 1,-88 18 0,230 0-1,-319-1-15,1-17 16,-17 18-16,16-18 0,178 35 31,16-17-15,-175-18-16,105 0 15,142 17 1,-19 19 0,-52-19-1,-88 1 1,123 0-1,35 17 17,1 0-17,-248-35-15,1 18 16,-1-18-16,107 18 16,105 17-1,-229-35-15,105 17 16,89 19-1,-88-36 1,176 17 0,-300-17-1,0 0-15,18 0 0,70 0 16,18-17 0,71-1-1,-177 18 1,71-18-16,88 1 31,-18-1-15,-70 1-1,70-1 1,-88 0 0,-70 1-16,0 17 0,-19 0 15,231-36 1,-125 19-1,89-1 1,-158 0-16,87 18 16,89-17-1,17-1 1,-176 18 0,-1 0-1,1 0-15,124 0 0,105-18 16,-88 18-1,105-17 17,-210 17-32,157-18 15,231 18 1,-336 0-16,176 18 16,-158-18-16,-18 0 15,370 35 1,-370-35-16,159 18 15,158 17 1,-369-17-16,16-18 16,230 17-1,-282-17-15,88 18 16,0-36 15,-158 18-31,-1-17 0,0-1 16,-35-17-1,-35-1 17,17 19-17,53 34 32,-17-17-31,-18 18-16,35-18 15,-17 18 1,35-1 0,-18-17-1,-17 18 1,0 0 0,17 17-1,-18-17 1,1 52-16,17 71 15,18 53 17,-35-35-17,-18-71-15,35 89 16,0 87 0,-17-176-16,17 54 15,-17 34 1,0-106-1,-18 1 1,0-89 0,-18 18-16</inkml:trace>
+  <inkml:trace contextRef="#ctx0" brushRef="#br0" timeOffset="7202.23">26529 10178 0,'0'35'0,"0"-17"16,0-71-16,0 123 0,35-35 16,18 1-1,-35-19-15,52 19 16,71-1-1,-105-35-15,52-18 16,35-17 0,-70-18-1,18-53 1,-54 89 0,1-36-16,-53 106 31,-71 35-16,-70 0 1</inkml:trace>
+  <inkml:trace contextRef="#ctx0" brushRef="#br0" timeOffset="7886.86">19667 8449 0,'-35'71'31,"17"17"-15,18 18-1,0 141 1,0-53-1,0-106-15,18 159 16,0-89 0,-1 19-1,1-124-15,-18 35 16,18-35 0</inkml:trace>
+  <inkml:trace contextRef="#ctx0" brushRef="#br0" timeOffset="8240.1">19262 9842 0,'-18'18'15,"36"-36"-15,-36 54 16,36-19-16,-18 1 15,88 88 1,-18-53 0,36 17-1,-35-52 1,35-36 0,-53 1-16,-1-54 15,37-35 1,-36 18 15,-36 70-15,-34 18-16,-19 36 15,-70 70 1,54-71-16</inkml:trace>
+  <inkml:trace contextRef="#ctx0" brushRef="#br0" timeOffset="8976.96">12665 8908 0,'0'0'0,"0"-71"31,0 36-31,0 0 0,0 17 16,17-53 0,-17 54-1,0 52 1,0-17-16,0 87 31,0-34-31,0 17 0,0 0 16,0 1-16,0 16 0,18 213 31,-18-230-31,0 88 16,0 1-1,0-142-15</inkml:trace>
+  <inkml:trace contextRef="#ctx0" brushRef="#br0" timeOffset="9301.87">12382 10037 0,'-35'-36'31,"70"72"-31,-52-54 16,87 88 0,1-17-1,52 0 16,-17-53-15,-18-35 0,-17-18-1,17-53 1,-70 71-16,17 0 16,-17-1-1,-36 72 1</inkml:trace>
+  <inkml:trace contextRef="#ctx0" brushRef="#br0" timeOffset="10084.94">5733 8378 0,'-18'-17'16,"36"34"-16,-54-52 16,19 35-16,17-17 15,0 34 1,17 54 0,1 123-1,0 0 1,-36 88-1,18-194-15,-35 71 16,17-71 0</inkml:trace>
+  <inkml:trace contextRef="#ctx0" brushRef="#br0" timeOffset="10421.74">5521 9490 0,'0'0'16,"-35"0"0,35 17-1,0 1-15,35 17 16,36 53 0,-19-17-1,72-18 1,-71-53-16,35 0 15,18-71 1,-71 1 0,0-54-1,-17 89 1,-18-18-16,-18 36 31,1 34-31,-1 1 0,0-1 16</inkml:trace>
+  <inkml:trace contextRef="#ctx0" brushRef="#br0" timeOffset="11552.31">4463 10760 0,'0'0'0,"0"-36"16,-18 19 0,18-1-16,0 36 31,0 52-16,0-17-15,0 53 16,18 88 0,-1-106-1,1 1 1,-18-72-16,18-17 16,-18-17-16,0-54 15,-18-35 1,18 53-16,-18-106 15,18-52 1,18 158-16,0-18 16,34 54-1,-34 34-15,53 54 16,-36-36 0,35 89-16,36 52 31,-70-123-31,17 35 15,-18-35 1,-18-35-16,1-18 16,17-159-1,-17 35 1,0-87 0,-1 105-1,-17 35 1,18 71-16</inkml:trace>
+  <inkml:trace contextRef="#ctx0" brushRef="#br0" timeOffset="11852.58">5909 10619 0,'-35'-53'32,"70"106"-32,-141-124 15,71 71-15,0 0 16,-54 71 0,54-18-16,0 35 15,35 70 1,18-87-1,-1-18-15,1-18 0,52 36 16,54-18 0,-18-53-1</inkml:trace>
+  <inkml:trace contextRef="#ctx0" brushRef="#br0" timeOffset="12007.18">5750 10883 0,'-106'-35'31,"212"70"-31,-212-88 16,124 53-16,53 0 15,34-17 1,125-1 0</inkml:trace>
+  <inkml:trace contextRef="#ctx0" brushRef="#br0" timeOffset="13039.55">11942 10724 0,'0'0'0,"35"-17"15,53-54 1,-17 1 0,-54 52-16,-17 0 15,-17-17 1,-1 35-16,-53 18 15,-87 35 1,69 0 0,-16 35-1,105-35-15,17 17 16,89 36 0,53 0 15,-53-53-16,-53-18-15,-1 18 16,-87 0 0,0-35-16,-53-1 15,-124 1 1,89-36 0,-1-17-1,106 17-15,18-17 16</inkml:trace>
+  <inkml:trace contextRef="#ctx0" brushRef="#br0" timeOffset="13586.34">12771 10777 0,'0'0'0,"17"-53"16,-17 36 15,0-18-16,-35 35-15,17 0 16,1 0-16,-19 17 0,-34 54 31,-1 70-15,54-88-16,17 88 16,53 35-1,17-88 1,71-35-1,18-70 1</inkml:trace>
+  <inkml:trace contextRef="#ctx0" brushRef="#br0" timeOffset="13737.36">12718 11024 0,'0'0'0,"-53"0"16,35 0-16,36 0 31,105 18-15,-70-18-16,71 0 15,-19-18-15</inkml:trace>
+  <inkml:trace contextRef="#ctx0" brushRef="#br0" timeOffset="14657.06">19456 10971 0,'35'-53'15,"-35"-17"1,-18 88 0,18 52 15,18-35-31,-18 18 0,35 124 31,1-1-15,-36-141-16,0 36 15,-18-53 1,-35-54 0,-35-87-1,52 52-15,-16-88 16,34-87 0,36 87-1,52 35 1,-17 89-16,35 35 15,36 71 1,-54-1 0,-70 107 15,-70-89-15,34-53-16,1 0 0,0-17 0,-71 17 15</inkml:trace>
+  <inkml:trace contextRef="#ctx0" brushRef="#br0" timeOffset="15804.8">25964 11695 0,'0'0'15,"18"-36"-15,0 19 0,-18-1 16,17-17-16,1-18 15,0 53 1,17 88 15,-35-53-31,18 1 0,-18 87 16,0-35 15,0-70-31,0 0 16,0-54 15,0-105-15,0 88-16,17-17 15,18-124 1,-17 123-16,35-35 16,0 53-1,-35 53-15,17 53 16,18 71-1,-36-36 1,1 0 0,0-70-16,-18 17 15,0-88 32,0-70-31,17 52-16,19-52 15,17-71 1,-1 123 0,19 106-1,-53 1 1,35 122-16,-36-87 0,1-18 16,-1 88-1,1-53 16,-18-70-31</inkml:trace>
+  <inkml:trace contextRef="#ctx0" brushRef="#br0" timeOffset="16321.27">27023 11148 0,'17'-18'0,"-34"36"0,34-54 16,-17 19-16,18-1 15,-36 71 17,1 53-17,17-71-15,0 53 16,35 36 0,-17-71-1,35-36 1,-18-34-1,35-71 1,-17-18 15,18-35-31,-53 88 16,-1-18-16,-17 142 47,0 17-32,0-35-15,35 17 16,36 19 0,-36-72-16,18 1 15,18-53 1,-36 17-16,-17-35 0,35-53 16,-36-35-1,1-35 1,-89 105-1,-35 89 1</inkml:trace>
+  <inkml:trace contextRef="#ctx0" brushRef="#br0" timeOffset="18508.52">15963 8220 0,'0'0'0,"0"-18"31,18 71 47,-1-35-62,-17-1-16,18 54 15,0 35 1,-1-1 0,-17-34-1,0-36-15,0 18 16,0 0 0,0-35-16,0 17 15,0-17 1,0-36 203</inkml:trace>
+  <inkml:trace contextRef="#ctx0" brushRef="#br0" timeOffset="30046.53">2628 12400 0,'-35'-18'16,"-18"-17"0,35 18-1,18 34 16,0 1-31,0 17 16,36 89 0,-36-89-16,17 0 15,1 124 1,-18-141 0,18 17-16,-18-18 0,0-34 31,-36-124-16,36 88 1,-17-71-16,-1 1 16,18-71-1,18 88 1,70 71 0,-71 52-1,19 1-15,-19 17 16,19 1-16,17 122 31,-53-87-15,0 35-1,0-89 1,0-34 0,0-89-1,0 18 1,0 35-16,35-35 15,0-1 1,36 107 0,-18 35-1,-36-18-15,36 53 16,0 53 0,-35-105-1,-1-1-15,1 0 0,0 36 31</inkml:trace>
+  <inkml:trace contextRef="#ctx0" brushRef="#br0" timeOffset="30393.6">3651 12100 0,'0'-70'15,"-17"34"-15,34 142 0,-52-229 16,-36 70 0,-17 88 15,35 36-31,0 35 15,53-54 1,0 107 0,18-106-16,0-18 15,87 54 1,-52-72-16,53 1 16,-18-36-16</inkml:trace>
+  <inkml:trace contextRef="#ctx0" brushRef="#br0" timeOffset="30709.73">3457 12347 0,'-53'-35'31,"106"70"-31,-70-88 16,34 53-16,54-35 15,70 0 1,-53 35 0</inkml:trace>
+  <inkml:trace contextRef="#ctx0" brushRef="#br0" timeOffset="30909.66">3775 12171 0,'0'0'0,"-18"-35"16,36 35 0,-1 0-16,1 0 0,53 70 31,17 36-15,-35-36-1</inkml:trace>
+  <inkml:trace contextRef="#ctx0" brushRef="#br0" timeOffset="31095.62">4004 11977 0,'0'0'0,"-35"-53"31,35 71-31,-18-1 0,0 195 31,1-89-15,17 36 0,0-88-1</inkml:trace>
+  <inkml:trace contextRef="#ctx0" brushRef="#br0" timeOffset="31545.6">4198 12083 0,'0'0'0,"0"17"31,0 71-31,18-17 16,17 70-1,-17-106 1,17 54-1,0-1 1,-35-71-16,0 1 16,-17-36-1,17 1-15,-36-36 16,-34-106 0,17-53-1,53 18 1,17 124-1,72 35 1,-72 35-16,54 35 16,-1 53-1,-52-53 1,-18 1-16,-53 69 16,18-69-1,-18 17-15,-18-18 16</inkml:trace>
+  <inkml:trace contextRef="#ctx0" brushRef="#br0" timeOffset="31860.51">4974 12083 0,'0'0'0,"-35"0"16,53-18 15,70-17-15,-53 17-16,0 18 15,36-18 1,-18 18 0,-36 0-1</inkml:trace>
+  <inkml:trace contextRef="#ctx0" brushRef="#br0" timeOffset="32679.9">6191 11924 0,'18'-18'16,"-36"36"-16,54-71 15,-266-18 48,124 89-48,71 0-15,-53 17 16,35 18 0,106 17-1,88-17 16,-18-17-15,36 17 0,-123-53-16,34 35 15,-70 18 1,-53-18 0,-70 36-1,70-71-15,-35 17 16,-18-52-1</inkml:trace>
+  <inkml:trace contextRef="#ctx0" brushRef="#br0" timeOffset="32946.48">5997 11624 0,'0'0'0,"0"-18"31,-17 18-31,-1 18 16,18 53 0,18 52-1,17 1 1,35 87 0,1-17-1,-18-53 1,-35-70-1,-18-53-15,17-1 16</inkml:trace>
+  <inkml:trace contextRef="#ctx0" brushRef="#br0" timeOffset="33398.21">7056 11818 0,'0'0'0,"-18"-35"16,0 17-16,-35 0 16,-70 18-1,52 0 1,-52 53-1,52 0 1,71 18 0,18-36-1,52 18 1,-17-35-16,36-1 16,52 1 15,-106-18-31,18 18 15,-35-18-15,-36 53 32,-70-1-17,-53-16 1,70-19 0,36-17-16,-1-17 0</inkml:trace>
+  <inkml:trace contextRef="#ctx0" brushRef="#br0" timeOffset="33711.41">6720 11518 0,'0'-35'15,"0"70"1,36 0 15,17 89-15,-36-89-16,1 18 15,35 141 1,-53-141-16,17 71 16,19 34-1,-36-52 1,17-53-1,-17-35-15</inkml:trace>
+  <inkml:trace contextRef="#ctx0" brushRef="#br0" timeOffset="41281.97">2663 14005 0,'0'0'0,"0"-17"15,-17-1-15,-1 0 16,-17 1 0,17-1-1,36 36 1,0 70-1,17 0 1,-18 88 15,-17-123-31,18 53 0,-18 0 32,18-53-17</inkml:trace>
+  <inkml:trace contextRef="#ctx0" brushRef="#br0" timeOffset="41481.54">2575 13952 0,'0'-35'0,"53"-53"16,-35 70-1,105-52 1,-52 52-1,52 0 17,-87 18-32,17 18 0,-1 53 31</inkml:trace>
+  <inkml:trace contextRef="#ctx0" brushRef="#br0" timeOffset="41663.33">2716 14199 0,'-17'18'16,"34"-36"-16,-52 36 0,17 0 16,54-36-1,-19 0 1,19 1-16,87-36 16,-17 17-1,17 1 1</inkml:trace>
+  <inkml:trace contextRef="#ctx0" brushRef="#br0" timeOffset="42080.42">3369 13829 0,'-18'0'0,"36"0"0,-53 0 0,17 0 16,0-18 0,54-17-1,105-18 1,-35 18 0,-36 17-16,18-17 15,-52 35-15,-1-18 16,-88 18-1,-17 35 1,-36-17 0,70 0-1,-17-1-15,36 54 32,34-53-32,-17 17 15,18 0-15,17 71 16,-17 53-1,0-124-15,-18 36 16,17-36-16</inkml:trace>
+  <inkml:trace contextRef="#ctx0" brushRef="#br0" timeOffset="42398.82">4145 13529 0,'0'0'0,"18"-53"16,-54 53 15,-34 53-15,52-35-16,-52 52 15,-1 36 1,71-53-16,0 18 15,53 34 1,18-34 0,34-18-1,-69-53-15,17 0 16,35-35 0,-70 17-16</inkml:trace>
+  <inkml:trace contextRef="#ctx0" brushRef="#br0" timeOffset="42616.48">3951 13847 0,'0'0'0,"-70"35"32,87-53-17,107-17 1,-89 17-16,18 18 15,0-17-15,53-19 16,-36 36 0,-52 0-16,-36 0 15</inkml:trace>
+  <inkml:trace contextRef="#ctx0" brushRef="#br0" timeOffset="45284.73">5980 13776 0,'-89'-124'31,"89"89"-31,0 0 0,0-18 16,89-70 0,-37 87-16,54-17 15,-53 53-15,0 0 16,-18 18-16,1 17 0,-19 1 15,1 16-15,-36 72 16,-87 70 0,-37-35-1,54-89 1,53-52-16,0 17 16,-1-70-1,89-36 1,18 18-1,-36 36 1,18-18-16,-18 35 0,71 17 31,-71 1-31,1 35 16,17 35 0,-18-53-1,-17-35-15</inkml:trace>
+  <inkml:trace contextRef="#ctx0" brushRef="#br0" timeOffset="45617.9">6773 13652 0,'0'0'0,"0"-52"16,-17 34 0,-54 71-1,18 0 1,0 53-1,53-71 1,18 18 0,35 0-1,-18-36-15,-17-17 16,17 0-16,18-35 16,0-35-1,-35 52-15,-18-53 16,-53-35-1,17 71 1,-52 35 0,70 0-16,-17 35 15,35 18 1</inkml:trace>
+  <inkml:trace contextRef="#ctx0" brushRef="#br0" timeOffset="45965.65">7038 13617 0,'0'0'16,"18"-17"-1,-36-1 17,0 71-17,1 17 1,17 1-1,17-36-15,1 36 16,52-36 0,-17-35-1,-17-18-15,-19 18 0,19-35 16,34-53 0,-70 53-16,0-36 15,-70 1 16,52 52-31,-53 18 16,54 0-16,-54 35 16</inkml:trace>
+  <inkml:trace contextRef="#ctx0" brushRef="#br0" timeOffset="46319.09">7638 13547 0,'-18'0'0,"18"-18"0,18 36 15,-54-36-15,19 18 0,-1 0 16,0 0-16,-52 35 16,70-17-16,-18 52 15,18 36 1,36-53-1,52 0 1,35-53 15,-35-53-15,-52 36-16,-36-19 16,0-87-1,-18 88-15,-53-18 16,-52 35-1,0 36 1</inkml:trace>
+  <inkml:trace contextRef="#ctx0" brushRef="#br0" timeOffset="49668.04">12629 10442 0,'0'-35'15,"18"-36"17,0 107-17,-1 34 1,1 107 0,-18-107-16,18 89 15,-1 0 1,-17-89-16,18 54 15,17 17 17,-17-141-32,17-88 31,0-89 0,-35 124-31,18-88 0,0 88 16,17-70-1,-17 140 1,-1 36 0,54 88-1,-54-70-15,36 52 16,18 1 0,-53-106-1,52 17-15,18-159 31,-52-87-15,-19 17 0,18-36-1,-35 177-15,0 1 16,0 87 0,0 71-1,0-53 1</inkml:trace>
+  <inkml:trace contextRef="#ctx0" brushRef="#br0" timeOffset="51034.64">12030 13088 0,'0'0'16,"-53"-53"15,35 88-15,36 71-1,-1 18 1,36 70 0,-35-124-1,0-34-15</inkml:trace>
+  <inkml:trace contextRef="#ctx0" brushRef="#br0" timeOffset="51384.55">12418 13035 0,'0'-35'15,"0"70"-15,0-88 31,-18 53-31,-17 35 0,-18 36 32,35-36-32,18 1 15,-17 87 1,34-105-16,1-1 16,52 1-1,19-36 1,69-17-1,-105 53 1,-35 52 0,-53 36-1,-36-35 1,36-36-16,-36 0 16</inkml:trace>
+  <inkml:trace contextRef="#ctx0" brushRef="#br0" timeOffset="51567.78">12471 13000 0,'53'-53'16,"-18"53"15,53 0-15,-53-18-16,54 18 15,52-17 1</inkml:trace>
+  <inkml:trace contextRef="#ctx0" brushRef="#br0" timeOffset="52188.87">13106 12876 0,'17'0'16,"1"0"-16,-53 0 16,52 36-1,-70 17 1,18 17 15,-18 54-15,53-71-16,0 17 15,35 18 1,36-88 0,35-35-1,-71 17-15,18-52 16,-18-71-1,-52 88 1,-1 17-16,-35-16 16,-17-1-1,17 35 1,88 18 0,18 0-1,0 0 1,35 0-16,18 18 31,-89-1-31,19 19 16,-36 34-1,0 18 1,0-70-16,0 17 16,17 36-1,1-54-15,35 19 16,0-36-1,35-53 1,-70 35-16,35-70 16,-36-36-1,-52 1 1,0 70 0,-89 18-1,-52 88 1,105-36-1</inkml:trace>
+  <inkml:trace contextRef="#ctx0" brushRef="#br0" timeOffset="53270.15">19332 12665 0,'-53'-36'16,"36"19"-16,87 70 0,-158-124 0,35 1 31,35-19-15,36 36-1,53-17 1,52 52 0,1 71-1,-89-18-15,0 71 16,-35-53-1,0 18-15,-17-18 0,-72 70 16,-69 1 0,34-54-1,-17-52 1,106-18-16,-1-35 31,89-89-15,0 89-16,0 0 15,176-18 1,-176 70-16,0-17 0,53 88 31,-53 1-15,-18-54 0,-17-17-16</inkml:trace>
+  <inkml:trace contextRef="#ctx0" brushRef="#br0" timeOffset="53619.68">19897 12488 0,'17'-123'31,"-34"246"-31,17-264 31,-18 176-31,0-17 16,1 17-16,-19 89 31,54-18-15,0-71-16,-1 0 15,36-35 1,-17 0-16,-1-17 16,-18-1-16,54-17 15,17-1 1,-70 36-16,17 0 15,-17 18-15,-18 17 16,-18 54 0,1-54-1,-36 0-15,-18 0 16</inkml:trace>
+  <inkml:trace contextRef="#ctx0" brushRef="#br0" timeOffset="54371.65">19808 12559 0,'0'0'0,"0"-53"16,36-35 0,34 17-1,-34 54-15,52-1 16,88 18 0,1 0-1,-72 0 1,-69 0-16,-1 0 15,-53 18 1,-35 34 0,0-16-1,53-19-15,-35 54 16,35 52 15,0-52-31,18-53 16,-18 17-16,17-17 0,54 17 31,0-53-15,-54 1-16,18-54 15,-17-35 1,-36 36 0,-34-54-1,34 106-15,0 1 16,18-1-1,53 18 1,-18 0 0,1 0-16,87 18 15,-35 17 1,-70 36 0,-36 17 15,-17-35-31,18 0 15,17-18-15,0-17 16,35 17 0,-18-17-16,54-1 15,17-34 1,-53 17-16,36-53 16,0-71-1,-71 89-15,0-71 16,-53 18-1,-88 0 1,70 70-16,-52 18 16,-1 71-1,89-54 1,17 18-16</inkml:trace>
+  <inkml:trace contextRef="#ctx0" brushRef="#br0" timeOffset="55123.65">26652 12471 0,'0'-53'16,"0"106"-16,0-124 0,0 53 15,0 1-15,-35 34 16,17 19-16,-17 34 15,0 107 1,17-124-16,18 52 16,0-52-1,36 18-15,-19-36 16</inkml:trace>
+  <inkml:trace contextRef="#ctx0" brushRef="#br0" timeOffset="56087.01">26899 12629 0,'0'0'0,"36"-70"16,-36 17-16,0 0 15,-18 35 1,0 18-16,-17 53 16,0 18-1,17 52 1,18-70-16,18 18 15,52 17 1,-34-88 0,-19 18-16,18-18 0,18-36 15,-35-34 1,-18 35 0,-18-54-16,-35-16 31,18 69-16,18 19 1,69 17 0,72 0-1,-18 17 1,35 1 0,-106 0-16,0 17 15,-35 35 1,-17-52-16,-1 17 15,1-17-15,-19 35 16,19-18-16,-1 0 16,36 18-1,-1-35 1,36 0-16,0-18 16,-18 0-16,106-36 31,-105 1-31,17-18 15,-36-53 1,-34 18 0,-54 18-1,36 52-15,-18 0 16,18 18 0,52 18-1,71 0 1,1-1-1,69-17 1,-122 0 0,34 18-16,-17 35 15,-53-18 1,0 0-16,-35 36 16,-18 17-1,53-17 16,71-19-15,-36-34-16,71-18 16,-53 0-16,70-18 15,-17-52 1,0-54 0,-89 19-1,-87-36 1,-1 105-16,-88-17 15,-158 36 1,88 70 0</inkml:trace>
+  <inkml:trace contextRef="#ctx0" brushRef="#br0" timeOffset="57756.3">2522 14887 0,'0'0'0,"-17"0"16,17-17 46,53-1-46,-36 18-16,36-18 15,35 18 1,-52-17 0,-1 17-1,18-18 1</inkml:trace>
+  <inkml:trace contextRef="#ctx0" brushRef="#br0" timeOffset="58140.08">3298 14728 0,'0'-17'0,"0"-1"15,18 18 1,0 0-16,-1-17 0,1 17 16,0-18-16,52 18 15,36-35 1,-35 17-1,34 0 1,-87 1-16,0-1 16,-1 18 15,-34 0-31,-1 0 0</inkml:trace>
+  <inkml:trace contextRef="#ctx0" brushRef="#br0" timeOffset="58404.49">4039 14464 0,'-17'0'31,"34"0"-31,54-53 31,17 18-31,36-1 16,-72 19-16,1-1 15,71 0 17,-159 36-17,17-18-15</inkml:trace>
+  <inkml:trace contextRef="#ctx0" brushRef="#br0" timeOffset="65408.91">7020 11395 0,'0'0'0,"-53"-36"16,0 1 15,1 18-15,34-1-16,0 18 15,-35 0 1,18 0-16,-18 0 15,-88 35 1,-18 0 0,36-17-1,52 0-15,-52 17 16,-71 36 0,123-54-16,-52 36 15,-18 35 16,88-52-31,17-1 0,-52 71 16,35 17 0,18 18 15,35-53-15,-18 54-1,18-107-15,18 53 16,35 36-1,0-72 1,35 37 0,-53-72-16,54 36 15,69 0 1,-87-53-16,-18 18 16,247 17-1,-159-35 1,53-18-1,0-17 1,-71 0 0,-70 0-1,88-36 1,53-35 0,-141 53-16,88-88 15,-105 88-15,-1 0 16,0-53-1,-35-70 1,0 106-16,-17-54 16,-19-35-1,36 106-15,-35-35 16,0 0 0,-71 0-1,-18 0 1,-17 35-1,71 35 1,-18 18 0,35 18 15,35-1-15,0 1-1,18 0-15,-17-1 16,17 1 15,17-18 125,-17 18-140,18-18 15</inkml:trace>
+  <inkml:trace contextRef="#ctx0" brushRef="#br0" timeOffset="66523.5">7108 11853 0,'0'-35'16,"36"-53"15,-1 0-15,53-53-1,-70 70-15,70-70 16,71-106-1,-18 53 1,-53 106-16,0-18 0,0 18 16,248-159-1,-213 176-15,142-52 16,193-36 0,-140 71-1,158 0 1,-317 52-16,123 19 15,53 52 1,-88 18 15,-141 0-15,35 17 0,-106-52-16,1 17 15,-19 1 1,-17-19-1,18 18 1,0-35 0,17 0-1,0-17 1,-17-1 0,-54-17-1</inkml:trace>
+  <inkml:trace contextRef="#ctx0" brushRef="#br0" timeOffset="66859.06">11201 9666 0,'0'0'0,"0"-18"16,0 1-16,0-1 16,17 18 15,1 53-16,0-18-15,-1 18 16,36 71 0,-53-89-16,18 18 15,17 70 1,-17-87-16,-18 17 16,0 17-1,-71-17 1,1 0-1,-54 0 1,89-35 0,-53 34-1,52-34-15</inkml:trace>
+  <inkml:trace contextRef="#ctx0" brushRef="#br0" timeOffset="67843.53">8308 11924 0,'0'0'0,"-18"-18"16,71 18 31,71 36-32,-71-19-15,17 1 16,159 52 0,-140-34-16,105 17 15,141 17 1,35-35-1,-70-17 1,-141-18 0,158 0-16,142 0 31,-318 0-31,124 0 16,123 0-1,-141 0 1,123 0-1,-246-18-15,140 1 16,107-19 0,-125 1-1,72 0 1,-212 17-16,123-17 16,124-36-1,-106 36 16,229-53-15,-388 70-16,18 1 0,-18-19 16,71-17-1,88-17 1,-71-1 0,-87 54-16,87-54 15,53-17 1,-141 53-16,36-36 15,35-35 1,-106 71-16,0 0 16,-18 17-16,35-35 15,1-17 1,-71 52-16,18 0 16,-18-17 15,0 17 0</inkml:trace>
+  <inkml:trace contextRef="#ctx0" brushRef="#br0" timeOffset="68175.57">17145 10777 0,'-53'-17'15,"106"34"-15,-141-52 0,70 17 16,1 18 0,34 0-1,36 18 1,-18-18-1,54 18-15,16-1 16,19 19 15,-107-19-31,19 36 16,-36 35 0,-18-52-16,-17 34 15,-71 54 1,53-89-16</inkml:trace>
+  <inkml:trace contextRef="#ctx0" brushRef="#br0" timeOffset="70327.24">15769 11536 0,'0'0'0,"0"17"15,0 1 16,53 35-15,-18-35 0,54 17-1,34 18 1,53-18 0,-52-17-1,88 17 16,-124-35-31,-18 0 0,1 18 0,476-18 47,-247-18-31,-195 18 0,1 0-16,88-18 0,141-17 31,18 17-16,-229 1-15,105-1 16,124-17 0,-18-18-1,-71 18 1,-140 35-16,176-36 16,141-16-1,-36-1 1,-34 0-1,-177 17 17,70-16-17,-193 34-15,88-17 16,35-1 0,-88 19-1,123-19 1,-176 19-1,0-1-15,17 0 0,1 1 16,229-36 0,-159 35-1,53-17 1,-159 17-16,53 18 16,1-17-1,-1-1 1,-35 18 15,17 0-31,-35 18 0,36-1 31,0 1-15,-19 0 0,90 17-1,-72 0 1,36 0-1,-53 1 1,0-1 0,-36-17-16,1-1 15,0-17-15,-18 18 16,53 0 0,-36-1-1,1-17 1,-18-17 15</inkml:trace>
+  <inkml:trace contextRef="#ctx0" brushRef="#br0" timeOffset="70660.1">24994 10936 0,'0'-53'47,"0"106"-47,0-71 47,71 142-31,-36-36-1,-35 18 17,-18-18-17,-17-35 1,-35 18 0,17-54-16,-53 19 15,-53-36 1</inkml:trace>
+  <inkml:trace contextRef="#ctx0" brushRef="#br0" timeOffset="74210.19">8449 11906 0,'0'-17'110,"-18"17"-95,1 0 1,-1-18 0,-17 18-1,17 0-15,-17 0 16,-18-18 0,0 18-1,18 0 16,17 0-31,-35 0 16,0 0 0,36 0-16,-1 0 15,-53 0 1,54 0-16,-18-17 16,-36 17-1,0 0 1,1 0-1,35 0 1,-36 17 0,53-17-16,-17 0 15,18 0 1,-19 0-16,19 0 0,-54 18 16,-35 0-1,71-18 1,-36 0-16,-17 17 31,71-17-15,52 0 46,-18 0-46,1 0-1</inkml:trace>
+  <inkml:trace contextRef="#ctx0" brushRef="#br0" timeOffset="79046.28">8167 13441 0,'0'0'0,"-18"-35"16,1 17 0,34 0 30,1 54-30,-1-1-16,1 0 16,0 53-1,17-35 1,0 35 0,-17-88-1,0 0-15,-1-35 16,18-18-1,1-123 1,-19 105-16,1-70 16,17-35-1,18 88 1,-18 70 0,-17 18-1,17 18 1,-17 17-16</inkml:trace>
+  <inkml:trace contextRef="#ctx0" brushRef="#br0" timeOffset="80125.89">14340 13000 0,'-53'-71'31,"106"142"-31,-123-177 16,70 88 0,17 36-1,1 17-15,0-17 16,17 88-1,0-53-15,1 17 16,-1 18 0,0-70-1,-17-36 1,-1 1 0,19-54-16,34-88 31,-34 89-31,16-54 15,90-34 1,-19 87 0,106 36-1,-158 70 1,-53-17-16,-1-1 16</inkml:trace>
+  <inkml:trace contextRef="#ctx0" brushRef="#br0" timeOffset="81080.1">21467 12453 0,'0'0'0,"0"-18"16,0 1 15,17 52-15,18 18-1,-17 0 1,0-18-16,-1 18 16,19 18-1,-36-54 1,17-17-1,1 0-15,0-35 16,52-71 0,36-53-1,-36 54 1,-17 52 0,18-36-16,17 19 31,-53 70-31,18 18 15,0 34 1,-35 1-16</inkml:trace>
+  <inkml:trace contextRef="#ctx0" brushRef="#br0" timeOffset="82118">29069 12665 0,'18'-36'31,"-36"72"-31,36-89 15,-18 70 17,0 19-17,0-19-15,17 36 16,-17 35 0,18-52-1,-1 17 1,-17-36-1,18-34 1,0-19 0,35-52-1,17-35 1,36-54 15,-18 54-15,36-18-1,-89 105-15,36 1 16,17 53 0,-53-1-16,18 36 15,17 36 1</inkml:trace>
+  <inkml:trace contextRef="#ctx0" brushRef="#br0" timeOffset="86283.22">25523 15328 0,'0'0'0,"36"-35"62,-19-18-46,-34 18-1,-54 17 1,36 18 0,-71 18-16,-70 52 31,123-17-31,0 0 16,-53 123-1,88-105-15,36 35 16,88 35-1,-53-106-15,17-17 16,160 0 0,-160-36-16,54-35 15,-19-70 1,-87-19 0,-18 54-1,-18 71-15,-17-19 16,-18 36-1,-17 53 1,34 35 15,36-35-31,71 53 32,-36-88-32,18-1 15,-18-17-15,1-17 16,17-18-1,-36-54 1,-17 54-16,-35-18 16,-36 0-1,1 53 1,17 18 0,35-1-1,18 1-15,18-18 16,17 0-1,1-18 1,16 1 0,37-1-1,-54 1-15,36 17 16,-54 17-16,1-17 16,17 71-1,-17-1 1,-18-34-16,-18 17 15,0-1 1,18-34 0,0-53-1,36-18 1,34-71 0,-34 89-16,34-35 15,18 34 1,-35 36-1,-53 71 17,0-36-32,-17 36 15,-19 52 1,36-105-16,0-1 16,36-34-1</inkml:trace>
+  <inkml:trace contextRef="#ctx0" brushRef="#br0" timeOffset="86698.33">26652 15593 0,'36'0'16,"-19"-18"-16,-70 36 0,142-54 15,-89 19 1,-18-1-16,-35-17 16,-18 35-1,19 18 1,-19 52-1,53-35 1,-17 36-16,53 35 31,35-71-15,17-35 0,-35 0-16,18-53 15,18-88 1,-53 88-16,-18-17 15,17-1-15,-17 18 0,0-17 16,-17-36 0,-1 88-1,0 89 1,18 17 0,-17 53-1,17-88-15,0 0 16,0 0-16,17 53 15,19-89 1</inkml:trace>
+  <inkml:trace contextRef="#ctx0" brushRef="#br0" timeOffset="86864.65">27164 15522 0,'-18'0'15,"36"0"-15,-53-17 16,35-1 0,17 18-1,-34 18 1</inkml:trace>
+  <inkml:trace contextRef="#ctx0" brushRef="#br0" timeOffset="87783.54">28275 15346 0,'-18'-18'0,"18"1"16,0-36-1,0 35 1,0 36-16,0 17 15,-17 71 1,17-53 0,0 52-1,0-69-15,0 52 16,0-53-16,17 1 16,-17-72-1</inkml:trace>
+  <inkml:trace contextRef="#ctx0" brushRef="#br0" timeOffset="87932.35">28257 15399 0,'0'-194'31,"0"388"-31,18-459 0,17 230 16,18 17 0,36 36-1,-19 0 1,-52-1-16,-1 1 15</inkml:trace>
+  <inkml:trace contextRef="#ctx0" brushRef="#br0" timeOffset="88115.1">28399 15381 0,'-36'18'16,"-34"17"-1,34-35-15,19 0 16,34 0-1,36 0 1,71 0 0,-71 0-16,53 0 15,-71-18-15</inkml:trace>
+  <inkml:trace contextRef="#ctx0" brushRef="#br0" timeOffset="88734.96">28910 15258 0,'-18'0'0,"36"0"0,-88 0 32,70-18-32,52 0 31,19 1-15,-36 17-16,1 0 15,-1 0-15,18 0 16,-18 0-1,-35-18 17,-53 18-17,36 0-15,-19 0 16,-17 18 0,18 17-1,17 53 1,1-35-16,17 18 15,-18 52 1,18-17 15,0-88-31</inkml:trace>
+  <inkml:trace contextRef="#ctx0" brushRef="#br0" timeOffset="89039.22">29580 15293 0,'0'-53'16,"0"35"-16,-17 1 15,-36 17 1,-18 53-1,18 35 1,36 18 15,52-36-15,-17-35-16,-1 1 0,19-19 16,-1 1-16,18 17 15,35-70 1,-53 17-16</inkml:trace>
+  <inkml:trace contextRef="#ctx0" brushRef="#br0" timeOffset="89216.44">29422 15416 0,'-71'18'16,"36"-18"-16,141-18 0,-230 36 15,142-18 1,35 0-16,88 18 15,-18-18 17,-34-18-32</inkml:trace>
+  <inkml:trace contextRef="#ctx0" brushRef="#br0" timeOffset="101886.87">24500 15487 0,'0'0'0,"36"35"32,-72-52 15,19 17-32,-213 0 1,36 0-1,71 0-15,-142 17 16,-87 1 0,263-18-1,-34 17-15,70-17 16,0 0-16</inkml:trace>
+  <inkml:trace contextRef="#ctx0" brushRef="#br0" timeOffset="102209.02">23160 15275 0,'0'0'0,"-35"106"93,17-88-93,0 17 0,-52 18 16,-71 35 15,123-70-31,-17 17 16,52 18-1,36-18 1,53 18 0,-53-53-16</inkml:trace>
+  <inkml:trace contextRef="#ctx0" brushRef="#br0" timeOffset="103043.34">18045 15452 0,'0'-36'31,"-18"1"-15,0 17-1,1 71 17,-19 71-17,19-89-15,-1 18 16,0-18-16,1 54 15,-1-1 1,18-71 0,18-70-1,17-105 17,18 17-17,0-89 1,-35 160-16,-1 17 0,-17 0 15,35-18 1,-17 54-16,0 17 16,35 106-1,17 88 1,-17 17 0,-35-87-1,-18 34 1,0-122-16</inkml:trace>
+  <inkml:trace contextRef="#ctx0" brushRef="#br0" timeOffset="103208.13">17974 15522 0,'35'-35'31,"-70"70"-31,158-105 16,-87 70-16,34-18 15,19 0 1,34-17 0</inkml:trace>
+  <inkml:trace contextRef="#ctx0" brushRef="#br0" timeOffset="103441.06">18503 15081 0,'0'0'15,"0"-53"1,18 53-16,-1 71 31,1 70-15,-18-18 15,-18 71-15,18-158-16,0 52 15,36-35 1</inkml:trace>
+  <inkml:trace contextRef="#ctx0" brushRef="#br0" timeOffset="103657.21">18838 15046 0,'0'0'0,"18"-106"16,-18 177 15,-18 87-15,18 1-1,0-53 1,0-71 0,18 36-16,0-36 31</inkml:trace>
+  <inkml:trace contextRef="#ctx0" brushRef="#br0" timeOffset="104027.5">19367 15240 0,'-141'-35'47,"282"70"-47,-299-53 0,122 54 16,1 52-1,35-71 1,0 54 0,71 0-1,-18-71-15,-18 0 16,35-18-1,-52 0-15,17-35 16,-35-70 0,-17 88-16,-36-36 15,-35 36 1,17 35 0,18 17-1,36 1-15</inkml:trace>
+  <inkml:trace contextRef="#ctx0" brushRef="#br0" timeOffset="104304.12">19720 15152 0,'71'-35'16,"-142"70"-16,159-88 15,-70 35 1,-36-17-1,1 17-15,-18 18 16,-54 36 0,36 17-1,1 88 1,52-71 0,70 18-1,89-70 1,-106-18-1</inkml:trace>
+  <inkml:trace contextRef="#ctx0" brushRef="#br0" timeOffset="104890.48">20214 15169 0,'0'-35'16,"0"70"-16,-17-158 31,17 105-31,-18 1 16,-35-1-1,18 36 1,-54 52 0,72-52-16,-18 52 15,17 19 1,36-72-16,17 19 16,53-36-1,-17 0 1,-18-53-1,-36-53 1,-34 35 0,-1 54-1,0 34 1,18 1 0,0 52-1,18 36 1,17-53-16,-17-35 15,35-18 1,-18 0-16,18-18 16,53-88-1,-89 53-15,36-70 16,-35-18 0,-18 53-16,0 17 15,0 1-15,0 17 0,-18-36 16,1 89 15,17 18-31,0 17 0,0 18 0,0 318 47,17-195-31</inkml:trace>
+  <inkml:trace contextRef="#ctx0" brushRef="#br0" timeOffset="105205.17">20391 15011 0,'0'0'0,"-36"-36"15,36 19 1,53 17 0,-18-18-16,36 0 15,52 1 1,-52-18-1,-18-1 1,-53 19-16,0-1 16,-18 36 31,18 52-32,0-35-15,0 1 0,0-1 0,0 0 16,18 18-1,-18-17-15,18-19 0</inkml:trace>
+  <inkml:trace contextRef="#ctx0" brushRef="#br0" timeOffset="105323.45">20832 14552 0,'0'-18'0,"0"36"0,-18-36 15,0 36 1</inkml:trace>
+  <inkml:trace contextRef="#ctx0" brushRef="#br0" timeOffset="106023.5">21131 14728 0,'-53'0'31,"36"0"-31,-1 18 16,-35 35-1,36-18-15,17 1 16,17 87 0,-17-88-16,18 1 0,0-19 15,17 19-15,0-19 16,53-17-1,-52-53 1,-1-53 0,-35 53-1,0-35-15,-53-18 32,0 89-32,35 17 15,1 17-15,-1 1 16,0 17-16,18 36 15,18 17 1,0-70-16,-1-1 16,19 1-1,-19-36-15,19-17 16,-1-53 0,-18 53-16,19-36 15,17 36 1,-36 35-1,1 0-15,17 70 16,-35-34-16,18 34 16,0 1-1,-1-54 17,1-34-17,17-36 1,-17 0-16,35-35 15,35-36 1,-18 71 0,36 71-1,-88 17-15,-1 71 16,-17 70 0,-52-52-1</inkml:trace>
+  <inkml:trace contextRef="#ctx0" brushRef="#br0" timeOffset="106473.22">19826 16228 0,'0'0'0,"53"-106"15,-53 88 1,0 1 0,0 70-1,0 17 1,0-17-16,0 71 15,18 52 1,-18-106-16,17 36 16,1-70-16</inkml:trace>
+  <inkml:trace contextRef="#ctx0" brushRef="#br0" timeOffset="106828.45">19420 16722 0,'0'0'0,"-211"-141"31,211-1-31,35 19 31,0 70-31,53-35 16,124 17-1,-141 71-15,87 36 16,-34 52 0,-54-35-16,19 88 15,-54 70 1,-35-140-16,-71 52 16,-105 1-1,123-89 1,-17-35-16,-107-17 15,142-19-15,0-34 16,35 34 0</inkml:trace>
+  <inkml:trace contextRef="#ctx0" brushRef="#br0" timeOffset="107291.74">20267 16404 0,'-35'-17'0,"0"-1"47,70 53-31,0-17-16,-17-1 0,35 36 15,-36-17-15,1 17 16,-18-1-1,0-34 1,-18-18 0,-17-35-1,17 17-15,36-123 32,35 35-17,0 71 1,-18 17-16,-17 1 0,-1 17 15,19 0 1,-1 35 0,0 18-1,-17 0 1,17 35 0,0-17-1,-35-54 1</inkml:trace>
+  <inkml:trace contextRef="#ctx0" brushRef="#br0" timeOffset="107471.71">20585 16122 0,'0'-53'31,"0"106"-31,-18-124 15,18 89 17,18 0-17</inkml:trace>
+  <inkml:trace contextRef="#ctx0" brushRef="#br0" timeOffset="107809.23">20796 16140 0,'0'0'16,"0"17"31,36 54-31,-1-18-1,18 17 1,-36-34-16,1-19 15,35 36 1,-53-71 0,18-34-1,-1-54 1,-17-18 0,0 54-1,0 17 1,18 53-1</inkml:trace>
+  <inkml:trace contextRef="#ctx0" brushRef="#br0" timeOffset="108173.34">21202 16175 0,'0'0'0,"18"17"15,-18 1 16,17-18 1,18 0-17,1 0 1,17-18 0,-36 1-16,1-18 15,-36-36 1,18 53-1,-35-17-15,17 17 16,1 18-16,-36 0 31,35 18-31,1 35 0,-1 53 32,36-71-32,-1 0 15,71 36 1,-52-53-16,34-18 15</inkml:trace>
+  <inkml:trace contextRef="#ctx0" brushRef="#br0" timeOffset="108525.18">21572 15998 0,'-35'-105'31,"70"210"-31,-70-228 0,35 105 0,35 1 16,71 70-1,-53 17 1,18 54 15,-54-89-31,-17 0 0,0 0 0,-35 1 32,17-19-32,-17-17 15,0-53 1,17 18-16,18 0 15,0-18-15,18-18 0,35-52 16,17 17 0,54 18-1,-89 88-15,0 18 16,-35 17-16,-17 35 16,-19-17-16</inkml:trace>
+</inkml:ink>
 </file>
 
 <file path=ppt/notesMasters/notesMaster1.xml><?xml version="1.0" encoding="utf-8"?>
@@ -1322,7 +1574,7 @@
                 <a:tabLst/>
                 <a:defRPr/>
               </a:pPr>
-              <a:t>7</a:t>
+              <a:t>8</a:t>
             </a:fld>
             <a:endParaRPr kumimoji="0" lang="en-US" sz="1200" b="0" i="0" u="none" strike="noStrike" kern="1200" cap="none" spc="0" normalizeH="0" baseline="0" noProof="0">
               <a:ln>
@@ -4526,7 +4778,7 @@
                 <a:ea typeface="+mj-ea"/>
                 <a:cs typeface="+mj-cs"/>
               </a:rPr>
-              <a:t>Agenda – Day 7</a:t>
+              <a:t>Agenda – Day 8</a:t>
             </a:r>
           </a:p>
         </p:txBody>
@@ -4866,6 +5118,87 @@
 </file>
 
 <file path=ppt/slides/slide3.xml><?xml version="1.0" encoding="utf-8"?>
+<p:sld xmlns:a="http://schemas.openxmlformats.org/drawingml/2006/main" xmlns:r="http://schemas.openxmlformats.org/officeDocument/2006/relationships" xmlns:p="http://schemas.openxmlformats.org/presentationml/2006/main">
+  <p:cSld>
+    <p:spTree>
+      <p:nvGrpSpPr>
+        <p:cNvPr id="1" name=""/>
+        <p:cNvGrpSpPr/>
+        <p:nvPr/>
+      </p:nvGrpSpPr>
+      <p:grpSpPr>
+        <a:xfrm>
+          <a:off x="0" y="0"/>
+          <a:ext cx="0" cy="0"/>
+          <a:chOff x="0" y="0"/>
+          <a:chExt cx="0" cy="0"/>
+        </a:xfrm>
+      </p:grpSpPr>
+      <mc:AlternateContent xmlns:mc="http://schemas.openxmlformats.org/markup-compatibility/2006">
+        <mc:Choice xmlns:p14="http://schemas.microsoft.com/office/powerpoint/2010/main" Requires="p14">
+          <p:contentPart p14:bwMode="auto" r:id="rId2">
+            <p14:nvContentPartPr>
+              <p14:cNvPr id="2" name="Ink 1">
+                <a:extLst>
+                  <a:ext uri="{FF2B5EF4-FFF2-40B4-BE49-F238E27FC236}">
+                    <a16:creationId xmlns:a16="http://schemas.microsoft.com/office/drawing/2014/main" id="{C3CD650A-EB50-7BA2-FCD9-5FB0380253A0}"/>
+                  </a:ext>
+                </a:extLst>
+              </p14:cNvPr>
+              <p14:cNvContentPartPr/>
+              <p14:nvPr/>
+            </p14:nvContentPartPr>
+            <p14:xfrm>
+              <a:off x="349200" y="463680"/>
+              <a:ext cx="8490240" cy="5067360"/>
+            </p14:xfrm>
+          </p:contentPart>
+        </mc:Choice>
+        <mc:Fallback>
+          <p:pic>
+            <p:nvPicPr>
+              <p:cNvPr id="2" name="Ink 1">
+                <a:extLst>
+                  <a:ext uri="{FF2B5EF4-FFF2-40B4-BE49-F238E27FC236}">
+                    <a16:creationId xmlns:a16="http://schemas.microsoft.com/office/drawing/2014/main" id="{C3CD650A-EB50-7BA2-FCD9-5FB0380253A0}"/>
+                  </a:ext>
+                </a:extLst>
+              </p:cNvPr>
+              <p:cNvPicPr/>
+              <p:nvPr/>
+            </p:nvPicPr>
+            <p:blipFill>
+              <a:blip r:embed="rId3"/>
+              <a:stretch>
+                <a:fillRect/>
+              </a:stretch>
+            </p:blipFill>
+            <p:spPr>
+              <a:xfrm>
+                <a:off x="339840" y="454320"/>
+                <a:ext cx="8508960" cy="5086080"/>
+              </a:xfrm>
+              <a:prstGeom prst="rect">
+                <a:avLst/>
+              </a:prstGeom>
+            </p:spPr>
+          </p:pic>
+        </mc:Fallback>
+      </mc:AlternateContent>
+    </p:spTree>
+    <p:extLst>
+      <p:ext uri="{BB962C8B-B14F-4D97-AF65-F5344CB8AC3E}">
+        <p14:creationId xmlns:p14="http://schemas.microsoft.com/office/powerpoint/2010/main" val="3232665331"/>
+      </p:ext>
+    </p:extLst>
+  </p:cSld>
+  <p:clrMapOvr>
+    <a:masterClrMapping/>
+  </p:clrMapOvr>
+</p:sld>
+</file>
+
+<file path=ppt/slides/slide4.xml><?xml version="1.0" encoding="utf-8"?>
 <p:sld xmlns:a="http://schemas.openxmlformats.org/drawingml/2006/main" xmlns:r="http://schemas.openxmlformats.org/officeDocument/2006/relationships" xmlns:p="http://schemas.openxmlformats.org/presentationml/2006/main">
   <p:cSld>
     <p:spTree>
@@ -5041,6 +5374,57 @@
           </a:p>
         </p:txBody>
       </p:sp>
+      <mc:AlternateContent xmlns:mc="http://schemas.openxmlformats.org/markup-compatibility/2006">
+        <mc:Choice xmlns:p14="http://schemas.microsoft.com/office/powerpoint/2010/main" Requires="p14">
+          <p:contentPart p14:bwMode="auto" r:id="rId3">
+            <p14:nvContentPartPr>
+              <p14:cNvPr id="6" name="Ink 5">
+                <a:extLst>
+                  <a:ext uri="{FF2B5EF4-FFF2-40B4-BE49-F238E27FC236}">
+                    <a16:creationId xmlns:a16="http://schemas.microsoft.com/office/drawing/2014/main" id="{1E33468D-5568-4446-BA15-AE41964F99FB}"/>
+                  </a:ext>
+                </a:extLst>
+              </p14:cNvPr>
+              <p14:cNvContentPartPr/>
+              <p14:nvPr/>
+            </p14:nvContentPartPr>
+            <p14:xfrm>
+              <a:off x="901800" y="1879560"/>
+              <a:ext cx="9887040" cy="4235760"/>
+            </p14:xfrm>
+          </p:contentPart>
+        </mc:Choice>
+        <mc:Fallback>
+          <p:pic>
+            <p:nvPicPr>
+              <p:cNvPr id="6" name="Ink 5">
+                <a:extLst>
+                  <a:ext uri="{FF2B5EF4-FFF2-40B4-BE49-F238E27FC236}">
+                    <a16:creationId xmlns:a16="http://schemas.microsoft.com/office/drawing/2014/main" id="{1E33468D-5568-4446-BA15-AE41964F99FB}"/>
+                  </a:ext>
+                </a:extLst>
+              </p:cNvPr>
+              <p:cNvPicPr/>
+              <p:nvPr/>
+            </p:nvPicPr>
+            <p:blipFill>
+              <a:blip r:embed="rId4"/>
+              <a:stretch>
+                <a:fillRect/>
+              </a:stretch>
+            </p:blipFill>
+            <p:spPr>
+              <a:xfrm>
+                <a:off x="892440" y="1870200"/>
+                <a:ext cx="9905760" cy="4254480"/>
+              </a:xfrm>
+              <a:prstGeom prst="rect">
+                <a:avLst/>
+              </a:prstGeom>
+            </p:spPr>
+          </p:pic>
+        </mc:Fallback>
+      </mc:AlternateContent>
     </p:spTree>
     <p:extLst>
       <p:ext uri="{BB962C8B-B14F-4D97-AF65-F5344CB8AC3E}">
@@ -5054,7 +5438,7 @@
 </p:sld>
 </file>
 
-<file path=ppt/slides/slide4.xml><?xml version="1.0" encoding="utf-8"?>
+<file path=ppt/slides/slide5.xml><?xml version="1.0" encoding="utf-8"?>
 <p:sld xmlns:a="http://schemas.openxmlformats.org/drawingml/2006/main" xmlns:r="http://schemas.openxmlformats.org/officeDocument/2006/relationships" xmlns:p="http://schemas.openxmlformats.org/presentationml/2006/main">
   <p:cSld>
     <p:spTree>
@@ -5501,7 +5885,7 @@
 </p:sld>
 </file>
 
-<file path=ppt/slides/slide5.xml><?xml version="1.0" encoding="utf-8"?>
+<file path=ppt/slides/slide6.xml><?xml version="1.0" encoding="utf-8"?>
 <p:sld xmlns:a="http://schemas.openxmlformats.org/drawingml/2006/main" xmlns:r="http://schemas.openxmlformats.org/officeDocument/2006/relationships" xmlns:p="http://schemas.openxmlformats.org/presentationml/2006/main">
   <p:cSld>
     <p:spTree>
@@ -5620,7 +6004,7 @@
 </p:sld>
 </file>
 
-<file path=ppt/slides/slide6.xml><?xml version="1.0" encoding="utf-8"?>
+<file path=ppt/slides/slide7.xml><?xml version="1.0" encoding="utf-8"?>
 <p:sld xmlns:a="http://schemas.openxmlformats.org/drawingml/2006/main" xmlns:r="http://schemas.openxmlformats.org/officeDocument/2006/relationships" xmlns:p="http://schemas.openxmlformats.org/presentationml/2006/main">
   <p:cSld>
     <p:spTree>
@@ -5730,7 +6114,7 @@
 </p:sld>
 </file>
 
-<file path=ppt/slides/slide7.xml><?xml version="1.0" encoding="utf-8"?>
+<file path=ppt/slides/slide8.xml><?xml version="1.0" encoding="utf-8"?>
 <p:sld xmlns:a="http://schemas.openxmlformats.org/drawingml/2006/main" xmlns:r="http://schemas.openxmlformats.org/officeDocument/2006/relationships" xmlns:p="http://schemas.openxmlformats.org/presentationml/2006/main">
   <p:cSld>
     <p:bg>
